--- a/Documentação/DiagramaSoftware-Macro V1.pptx
+++ b/Documentação/DiagramaSoftware-Macro V1.pptx
@@ -105,6 +105,11 @@
       </a:defRPr>
     </a:lvl9pPr>
   </p:defaultTextStyle>
+  <p:extLst>
+    <p:ext uri="{EFAFB233-063F-42B5-8137-9DF3F51BA10A}">
+      <p15:sldGuideLst xmlns:p15="http://schemas.microsoft.com/office/powerpoint/2012/main"/>
+    </p:ext>
+  </p:extLst>
 </p:presentation>
 </file>
 
@@ -309,7 +314,7 @@
           <a:p>
             <a:fld id="{BD1FB17F-D005-43F4-9197-3E60886CBC63}" type="slidenum">
               <a:rPr lang="pt-BR" smtClean="0"/>
-              <a:t>‹nº›</a:t>
+              <a:t>‹#›</a:t>
             </a:fld>
             <a:endParaRPr lang="pt-BR"/>
           </a:p>
@@ -507,7 +512,7 @@
           <a:p>
             <a:fld id="{BD1FB17F-D005-43F4-9197-3E60886CBC63}" type="slidenum">
               <a:rPr lang="pt-BR" smtClean="0"/>
-              <a:t>‹nº›</a:t>
+              <a:t>‹#›</a:t>
             </a:fld>
             <a:endParaRPr lang="pt-BR"/>
           </a:p>
@@ -715,7 +720,7 @@
           <a:p>
             <a:fld id="{BD1FB17F-D005-43F4-9197-3E60886CBC63}" type="slidenum">
               <a:rPr lang="pt-BR" smtClean="0"/>
-              <a:t>‹nº›</a:t>
+              <a:t>‹#›</a:t>
             </a:fld>
             <a:endParaRPr lang="pt-BR"/>
           </a:p>
@@ -913,7 +918,7 @@
           <a:p>
             <a:fld id="{BD1FB17F-D005-43F4-9197-3E60886CBC63}" type="slidenum">
               <a:rPr lang="pt-BR" smtClean="0"/>
-              <a:t>‹nº›</a:t>
+              <a:t>‹#›</a:t>
             </a:fld>
             <a:endParaRPr lang="pt-BR"/>
           </a:p>
@@ -1188,7 +1193,7 @@
           <a:p>
             <a:fld id="{BD1FB17F-D005-43F4-9197-3E60886CBC63}" type="slidenum">
               <a:rPr lang="pt-BR" smtClean="0"/>
-              <a:t>‹nº›</a:t>
+              <a:t>‹#›</a:t>
             </a:fld>
             <a:endParaRPr lang="pt-BR"/>
           </a:p>
@@ -1453,7 +1458,7 @@
           <a:p>
             <a:fld id="{BD1FB17F-D005-43F4-9197-3E60886CBC63}" type="slidenum">
               <a:rPr lang="pt-BR" smtClean="0"/>
-              <a:t>‹nº›</a:t>
+              <a:t>‹#›</a:t>
             </a:fld>
             <a:endParaRPr lang="pt-BR"/>
           </a:p>
@@ -1865,7 +1870,7 @@
           <a:p>
             <a:fld id="{BD1FB17F-D005-43F4-9197-3E60886CBC63}" type="slidenum">
               <a:rPr lang="pt-BR" smtClean="0"/>
-              <a:t>‹nº›</a:t>
+              <a:t>‹#›</a:t>
             </a:fld>
             <a:endParaRPr lang="pt-BR"/>
           </a:p>
@@ -2006,7 +2011,7 @@
           <a:p>
             <a:fld id="{BD1FB17F-D005-43F4-9197-3E60886CBC63}" type="slidenum">
               <a:rPr lang="pt-BR" smtClean="0"/>
-              <a:t>‹nº›</a:t>
+              <a:t>‹#›</a:t>
             </a:fld>
             <a:endParaRPr lang="pt-BR"/>
           </a:p>
@@ -2119,7 +2124,7 @@
           <a:p>
             <a:fld id="{BD1FB17F-D005-43F4-9197-3E60886CBC63}" type="slidenum">
               <a:rPr lang="pt-BR" smtClean="0"/>
-              <a:t>‹nº›</a:t>
+              <a:t>‹#›</a:t>
             </a:fld>
             <a:endParaRPr lang="pt-BR"/>
           </a:p>
@@ -2430,7 +2435,7 @@
           <a:p>
             <a:fld id="{BD1FB17F-D005-43F4-9197-3E60886CBC63}" type="slidenum">
               <a:rPr lang="pt-BR" smtClean="0"/>
-              <a:t>‹nº›</a:t>
+              <a:t>‹#›</a:t>
             </a:fld>
             <a:endParaRPr lang="pt-BR"/>
           </a:p>
@@ -2718,7 +2723,7 @@
           <a:p>
             <a:fld id="{BD1FB17F-D005-43F4-9197-3E60886CBC63}" type="slidenum">
               <a:rPr lang="pt-BR" smtClean="0"/>
-              <a:t>‹nº›</a:t>
+              <a:t>‹#›</a:t>
             </a:fld>
             <a:endParaRPr lang="pt-BR"/>
           </a:p>
@@ -2995,7 +3000,7 @@
           <a:p>
             <a:fld id="{BD1FB17F-D005-43F4-9197-3E60886CBC63}" type="slidenum">
               <a:rPr lang="pt-BR" smtClean="0"/>
-              <a:t>‹nº›</a:t>
+              <a:t>‹#›</a:t>
             </a:fld>
             <a:endParaRPr lang="pt-BR"/>
           </a:p>
@@ -3322,132 +3327,12 @@
           <a:chExt cx="0" cy="0"/>
         </a:xfrm>
       </p:grpSpPr>
-      <p:sp>
-        <p:nvSpPr>
-          <p:cNvPr id="3" name="Fluxograma: Disco Magnético 2">
-            <a:extLst>
-              <a:ext uri="{FF2B5EF4-FFF2-40B4-BE49-F238E27FC236}">
-                <a16:creationId xmlns:a16="http://schemas.microsoft.com/office/drawing/2014/main" id="{ADE1E30C-80D5-48A8-B5F4-07799BDD46B9}"/>
-              </a:ext>
-            </a:extLst>
-          </p:cNvPr>
-          <p:cNvSpPr/>
-          <p:nvPr/>
-        </p:nvSpPr>
-        <p:spPr>
-          <a:xfrm>
-            <a:off x="3986493" y="884800"/>
-            <a:ext cx="3273286" cy="2306905"/>
-          </a:xfrm>
-          <a:prstGeom prst="flowChartMagneticDisk">
-            <a:avLst/>
-          </a:prstGeom>
-          <a:solidFill>
-            <a:schemeClr val="bg2">
-              <a:lumMod val="75000"/>
-            </a:schemeClr>
-          </a:solidFill>
-          <a:ln>
-            <a:solidFill>
-              <a:srgbClr val="253746"/>
-            </a:solidFill>
-          </a:ln>
-        </p:spPr>
-        <p:style>
-          <a:lnRef idx="2">
-            <a:schemeClr val="accent1">
-              <a:shade val="50000"/>
-            </a:schemeClr>
-          </a:lnRef>
-          <a:fillRef idx="1">
-            <a:schemeClr val="accent1"/>
-          </a:fillRef>
-          <a:effectRef idx="0">
-            <a:schemeClr val="accent1"/>
-          </a:effectRef>
-          <a:fontRef idx="minor">
-            <a:schemeClr val="lt1"/>
-          </a:fontRef>
-        </p:style>
-        <p:txBody>
-          <a:bodyPr rtlCol="0" anchor="ctr"/>
-          <a:lstStyle/>
-          <a:p>
-            <a:pPr algn="ctr"/>
-            <a:endParaRPr lang="pt-BR" sz="1800" dirty="0">
-              <a:solidFill>
-                <a:prstClr val="white"/>
-              </a:solidFill>
-              <a:latin typeface="Calibri"/>
-            </a:endParaRPr>
-          </a:p>
-        </p:txBody>
-      </p:sp>
-      <p:sp>
-        <p:nvSpPr>
-          <p:cNvPr id="13" name="Retângulo 12">
-            <a:extLst>
-              <a:ext uri="{FF2B5EF4-FFF2-40B4-BE49-F238E27FC236}">
-                <a16:creationId xmlns:a16="http://schemas.microsoft.com/office/drawing/2014/main" id="{B093EA2B-AFA1-4A45-A7CE-0618543F4ED7}"/>
-              </a:ext>
-            </a:extLst>
-          </p:cNvPr>
-          <p:cNvSpPr/>
-          <p:nvPr/>
-        </p:nvSpPr>
-        <p:spPr>
-          <a:xfrm>
-            <a:off x="4068702" y="4102257"/>
-            <a:ext cx="2844147" cy="2432132"/>
-          </a:xfrm>
-          <a:prstGeom prst="rect">
-            <a:avLst/>
-          </a:prstGeom>
-          <a:solidFill>
-            <a:srgbClr val="53CC89"/>
-          </a:solidFill>
-          <a:ln>
-            <a:solidFill>
-              <a:srgbClr val="00B050"/>
-            </a:solidFill>
-          </a:ln>
-        </p:spPr>
-        <p:style>
-          <a:lnRef idx="2">
-            <a:schemeClr val="accent5">
-              <a:shade val="50000"/>
-            </a:schemeClr>
-          </a:lnRef>
-          <a:fillRef idx="1">
-            <a:schemeClr val="accent5"/>
-          </a:fillRef>
-          <a:effectRef idx="0">
-            <a:schemeClr val="accent5"/>
-          </a:effectRef>
-          <a:fontRef idx="minor">
-            <a:schemeClr val="lt1"/>
-          </a:fontRef>
-        </p:style>
-        <p:txBody>
-          <a:bodyPr rtlCol="0" anchor="ctr"/>
-          <a:lstStyle/>
-          <a:p>
-            <a:pPr algn="ctr"/>
-            <a:endParaRPr lang="pt-BR" sz="1800" dirty="0">
-              <a:solidFill>
-                <a:prstClr val="white"/>
-              </a:solidFill>
-              <a:latin typeface="Calibri"/>
-            </a:endParaRPr>
-          </a:p>
-        </p:txBody>
-      </p:sp>
       <p:grpSp>
         <p:nvGrpSpPr>
-          <p:cNvPr id="25" name="Agrupar 24">
-            <a:extLst>
-              <a:ext uri="{FF2B5EF4-FFF2-40B4-BE49-F238E27FC236}">
-                <a16:creationId xmlns:a16="http://schemas.microsoft.com/office/drawing/2014/main" id="{7F69A885-DB2F-416C-9B85-D01038847DF9}"/>
+          <p:cNvPr id="17" name="Group 16">
+            <a:extLst>
+              <a:ext uri="{FF2B5EF4-FFF2-40B4-BE49-F238E27FC236}">
+                <a16:creationId xmlns:a16="http://schemas.microsoft.com/office/drawing/2014/main" id="{FD9B8F81-F26F-4DF4-948B-0064BA687982}"/>
               </a:ext>
             </a:extLst>
           </p:cNvPr>
@@ -3456,21 +3341,18 @@
         </p:nvGrpSpPr>
         <p:grpSpPr>
           <a:xfrm>
-            <a:off x="349306" y="4102257"/>
-            <a:ext cx="2819216" cy="2075646"/>
-            <a:chOff x="533584" y="179102"/>
-            <a:chExt cx="2819216" cy="2075646"/>
+            <a:off x="8471293" y="872459"/>
+            <a:ext cx="2662705" cy="2267885"/>
+            <a:chOff x="8282609" y="872459"/>
+            <a:chExt cx="2662705" cy="2267885"/>
           </a:xfrm>
-          <a:solidFill>
-            <a:srgbClr val="53CC89"/>
-          </a:solidFill>
         </p:grpSpPr>
         <p:sp>
           <p:nvSpPr>
-            <p:cNvPr id="5" name="Retângulo 6">
+            <p:cNvPr id="18" name="Retângulo 17">
               <a:extLst>
                 <a:ext uri="{FF2B5EF4-FFF2-40B4-BE49-F238E27FC236}">
-                  <a16:creationId xmlns:a16="http://schemas.microsoft.com/office/drawing/2014/main" id="{E4234B81-4D02-4890-999B-DDE3B5C38EA9}"/>
+                  <a16:creationId xmlns:a16="http://schemas.microsoft.com/office/drawing/2014/main" id="{3F23BCDB-84FC-471E-BEC5-21B62A878667}"/>
                 </a:ext>
               </a:extLst>
             </p:cNvPr>
@@ -3479,10 +3361,196 @@
           </p:nvSpPr>
           <p:spPr>
             <a:xfrm>
-              <a:off x="533584" y="179102"/>
-              <a:ext cx="2819216" cy="2075646"/>
+              <a:off x="8282609" y="872459"/>
+              <a:ext cx="2662705" cy="2267885"/>
             </a:xfrm>
             <a:prstGeom prst="rect">
+              <a:avLst/>
+            </a:prstGeom>
+            <a:noFill/>
+            <a:ln>
+              <a:solidFill>
+                <a:srgbClr val="00B050"/>
+              </a:solidFill>
+            </a:ln>
+          </p:spPr>
+          <p:style>
+            <a:lnRef idx="2">
+              <a:schemeClr val="accent5">
+                <a:shade val="50000"/>
+              </a:schemeClr>
+            </a:lnRef>
+            <a:fillRef idx="1">
+              <a:schemeClr val="accent5"/>
+            </a:fillRef>
+            <a:effectRef idx="0">
+              <a:schemeClr val="accent5"/>
+            </a:effectRef>
+            <a:fontRef idx="minor">
+              <a:schemeClr val="lt1"/>
+            </a:fontRef>
+          </p:style>
+          <p:txBody>
+            <a:bodyPr rtlCol="0" anchor="ctr"/>
+            <a:lstStyle/>
+            <a:p>
+              <a:pPr algn="ctr"/>
+              <a:endParaRPr lang="pt-BR" sz="1800" dirty="0">
+                <a:solidFill>
+                  <a:prstClr val="white"/>
+                </a:solidFill>
+                <a:latin typeface="Calibri"/>
+              </a:endParaRPr>
+            </a:p>
+          </p:txBody>
+        </p:sp>
+        <p:sp>
+          <p:nvSpPr>
+            <p:cNvPr id="31" name="CaixaDeTexto 30">
+              <a:extLst>
+                <a:ext uri="{FF2B5EF4-FFF2-40B4-BE49-F238E27FC236}">
+                  <a16:creationId xmlns:a16="http://schemas.microsoft.com/office/drawing/2014/main" id="{3698E19C-7A7E-4669-95DA-25448CF80FF1}"/>
+                </a:ext>
+              </a:extLst>
+            </p:cNvPr>
+            <p:cNvSpPr txBox="1"/>
+            <p:nvPr/>
+          </p:nvSpPr>
+          <p:spPr>
+            <a:xfrm>
+              <a:off x="8562517" y="1283126"/>
+              <a:ext cx="2102887" cy="1446550"/>
+            </a:xfrm>
+            <a:prstGeom prst="rect">
+              <a:avLst/>
+            </a:prstGeom>
+            <a:noFill/>
+          </p:spPr>
+          <p:txBody>
+            <a:bodyPr wrap="square">
+              <a:spAutoFit/>
+            </a:bodyPr>
+            <a:lstStyle/>
+            <a:p>
+              <a:pPr lvl="0" algn="ctr">
+                <a:defRPr/>
+              </a:pPr>
+              <a:r>
+                <a:rPr lang="pt-BR" b="1" dirty="0">
+                  <a:solidFill>
+                    <a:schemeClr val="bg2">
+                      <a:lumMod val="25000"/>
+                    </a:schemeClr>
+                  </a:solidFill>
+                  <a:latin typeface="Arial" panose="020B0604020202020204" pitchFamily="34" charset="0"/>
+                  <a:cs typeface="Arial" panose="020B0604020202020204" pitchFamily="34" charset="0"/>
+                </a:rPr>
+                <a:t>ClientSide WEB </a:t>
+              </a:r>
+            </a:p>
+            <a:p>
+              <a:pPr lvl="0" algn="ctr">
+                <a:defRPr/>
+              </a:pPr>
+              <a:r>
+                <a:rPr lang="pt-BR" b="1" dirty="0">
+                  <a:solidFill>
+                    <a:schemeClr val="bg2">
+                      <a:lumMod val="25000"/>
+                    </a:schemeClr>
+                  </a:solidFill>
+                  <a:latin typeface="Arial" panose="020B0604020202020204" pitchFamily="34" charset="0"/>
+                  <a:cs typeface="Arial" panose="020B0604020202020204" pitchFamily="34" charset="0"/>
+                </a:rPr>
+                <a:t>[Container: JS]</a:t>
+              </a:r>
+            </a:p>
+            <a:p>
+              <a:pPr lvl="0" algn="ctr">
+                <a:defRPr/>
+              </a:pPr>
+              <a:endParaRPr lang="pt-BR" b="1" dirty="0">
+                <a:solidFill>
+                  <a:schemeClr val="bg2">
+                    <a:lumMod val="25000"/>
+                  </a:schemeClr>
+                </a:solidFill>
+                <a:latin typeface="Arial" panose="020B0604020202020204" pitchFamily="34" charset="0"/>
+                <a:cs typeface="Arial" panose="020B0604020202020204" pitchFamily="34" charset="0"/>
+              </a:endParaRPr>
+            </a:p>
+            <a:p>
+              <a:pPr lvl="0" algn="ctr">
+                <a:defRPr/>
+              </a:pPr>
+              <a:endParaRPr lang="pt-BR" b="1" dirty="0">
+                <a:solidFill>
+                  <a:schemeClr val="bg2">
+                    <a:lumMod val="25000"/>
+                  </a:schemeClr>
+                </a:solidFill>
+                <a:latin typeface="Arial" panose="020B0604020202020204" pitchFamily="34" charset="0"/>
+                <a:cs typeface="Arial" panose="020B0604020202020204" pitchFamily="34" charset="0"/>
+              </a:endParaRPr>
+            </a:p>
+            <a:p>
+              <a:pPr lvl="0" algn="ctr">
+                <a:defRPr/>
+              </a:pPr>
+              <a:r>
+                <a:rPr lang="pt-BR" sz="1600" b="1" dirty="0">
+                  <a:solidFill>
+                    <a:schemeClr val="bg2">
+                      <a:lumMod val="25000"/>
+                    </a:schemeClr>
+                  </a:solidFill>
+                  <a:latin typeface="Arial" panose="020B0604020202020204" pitchFamily="34" charset="0"/>
+                  <a:cs typeface="Arial" panose="020B0604020202020204" pitchFamily="34" charset="0"/>
+                </a:rPr>
+                <a:t>Relatórios</a:t>
+              </a:r>
+            </a:p>
+          </p:txBody>
+        </p:sp>
+      </p:grpSp>
+      <p:grpSp>
+        <p:nvGrpSpPr>
+          <p:cNvPr id="16" name="Group 15">
+            <a:extLst>
+              <a:ext uri="{FF2B5EF4-FFF2-40B4-BE49-F238E27FC236}">
+                <a16:creationId xmlns:a16="http://schemas.microsoft.com/office/drawing/2014/main" id="{F9FEE638-3AF0-419B-8824-D42DCF0B25E3}"/>
+              </a:ext>
+            </a:extLst>
+          </p:cNvPr>
+          <p:cNvGrpSpPr/>
+          <p:nvPr/>
+        </p:nvGrpSpPr>
+        <p:grpSpPr>
+          <a:xfrm>
+            <a:off x="3207380" y="1044597"/>
+            <a:ext cx="3505479" cy="2267885"/>
+            <a:chOff x="797982" y="898546"/>
+            <a:chExt cx="3505479" cy="2267885"/>
+          </a:xfrm>
+        </p:grpSpPr>
+        <p:sp>
+          <p:nvSpPr>
+            <p:cNvPr id="3" name="Fluxograma: Disco Magnético 2">
+              <a:extLst>
+                <a:ext uri="{FF2B5EF4-FFF2-40B4-BE49-F238E27FC236}">
+                  <a16:creationId xmlns:a16="http://schemas.microsoft.com/office/drawing/2014/main" id="{ADE1E30C-80D5-48A8-B5F4-07799BDD46B9}"/>
+                </a:ext>
+              </a:extLst>
+            </p:cNvPr>
+            <p:cNvSpPr/>
+            <p:nvPr/>
+          </p:nvSpPr>
+          <p:spPr>
+            <a:xfrm>
+              <a:off x="869150" y="898546"/>
+              <a:ext cx="3363144" cy="2267885"/>
+            </a:xfrm>
+            <a:prstGeom prst="flowChartMagneticDisk">
               <a:avLst/>
             </a:prstGeom>
             <a:solidFill>
@@ -3490,7 +3558,7 @@
             </a:solidFill>
             <a:ln>
               <a:solidFill>
-                <a:srgbClr val="00B050"/>
+                <a:srgbClr val="253746"/>
               </a:solidFill>
             </a:ln>
           </p:spPr>
@@ -3515,7 +3583,7 @@
             <a:lstStyle/>
             <a:p>
               <a:pPr algn="ctr"/>
-              <a:endParaRPr lang="pt-BR" dirty="0">
+              <a:endParaRPr lang="pt-BR" sz="1800" dirty="0">
                 <a:solidFill>
                   <a:prstClr val="white"/>
                 </a:solidFill>
@@ -3524,200 +3592,1017 @@
             </a:p>
           </p:txBody>
         </p:sp>
-        <p:grpSp>
-          <p:nvGrpSpPr>
-            <p:cNvPr id="11" name="Agrupar 10">
+        <p:sp>
+          <p:nvSpPr>
+            <p:cNvPr id="39" name="CaixaDeTexto 38">
               <a:extLst>
                 <a:ext uri="{FF2B5EF4-FFF2-40B4-BE49-F238E27FC236}">
-                  <a16:creationId xmlns:a16="http://schemas.microsoft.com/office/drawing/2014/main" id="{3A6FA8D5-D8C1-486D-8556-535416046030}"/>
+                  <a16:creationId xmlns:a16="http://schemas.microsoft.com/office/drawing/2014/main" id="{7C4DA255-D150-4BBE-8059-16B707976367}"/>
                 </a:ext>
               </a:extLst>
             </p:cNvPr>
-            <p:cNvGrpSpPr/>
+            <p:cNvSpPr txBox="1"/>
             <p:nvPr/>
-          </p:nvGrpSpPr>
-          <p:grpSpPr>
+          </p:nvSpPr>
+          <p:spPr>
             <a:xfrm>
-              <a:off x="603352" y="198140"/>
-              <a:ext cx="2749059" cy="357826"/>
-              <a:chOff x="441208" y="266135"/>
-              <a:chExt cx="2401723" cy="269632"/>
+              <a:off x="797982" y="1786899"/>
+              <a:ext cx="3505479" cy="861774"/>
             </a:xfrm>
-            <a:grpFill/>
-          </p:grpSpPr>
-          <p:sp>
-            <p:nvSpPr>
-              <p:cNvPr id="6" name="Retângulo 6">
-                <a:extLst>
-                  <a:ext uri="{FF2B5EF4-FFF2-40B4-BE49-F238E27FC236}">
-                    <a16:creationId xmlns:a16="http://schemas.microsoft.com/office/drawing/2014/main" id="{11C40079-57BA-4C26-8AA2-DE17BDB59B56}"/>
-                  </a:ext>
-                </a:extLst>
-              </p:cNvPr>
-              <p:cNvSpPr/>
-              <p:nvPr/>
-            </p:nvSpPr>
-            <p:spPr>
-              <a:xfrm>
-                <a:off x="441208" y="300528"/>
-                <a:ext cx="1937577" cy="206806"/>
-              </a:xfrm>
-              <a:prstGeom prst="rect">
-                <a:avLst/>
-              </a:prstGeom>
-              <a:grpFill/>
-              <a:ln>
+            <a:prstGeom prst="rect">
+              <a:avLst/>
+            </a:prstGeom>
+            <a:noFill/>
+          </p:spPr>
+          <p:txBody>
+            <a:bodyPr wrap="square">
+              <a:spAutoFit/>
+            </a:bodyPr>
+            <a:lstStyle/>
+            <a:p>
+              <a:pPr algn="ctr">
+                <a:defRPr/>
+              </a:pPr>
+              <a:r>
+                <a:rPr lang="pt-BR" sz="1600" b="1" dirty="0" err="1">
+                  <a:solidFill>
+                    <a:schemeClr val="bg2">
+                      <a:lumMod val="25000"/>
+                    </a:schemeClr>
+                  </a:solidFill>
+                  <a:latin typeface="Arial" panose="020B0604020202020204" pitchFamily="34" charset="0"/>
+                  <a:cs typeface="Arial" panose="020B0604020202020204" pitchFamily="34" charset="0"/>
+                </a:rPr>
+                <a:t>Database</a:t>
+              </a:r>
+              <a:r>
+                <a:rPr lang="pt-BR" sz="1600" b="1" dirty="0">
+                  <a:solidFill>
+                    <a:schemeClr val="bg2">
+                      <a:lumMod val="25000"/>
+                    </a:schemeClr>
+                  </a:solidFill>
+                  <a:latin typeface="Arial" panose="020B0604020202020204" pitchFamily="34" charset="0"/>
+                  <a:cs typeface="Arial" panose="020B0604020202020204" pitchFamily="34" charset="0"/>
+                </a:rPr>
+                <a:t>-</a:t>
+              </a:r>
+            </a:p>
+            <a:p>
+              <a:pPr algn="ctr">
+                <a:defRPr/>
+              </a:pPr>
+              <a:r>
+                <a:rPr lang="pt-BR" sz="1600" b="1" dirty="0">
+                  <a:solidFill>
+                    <a:schemeClr val="bg2">
+                      <a:lumMod val="25000"/>
+                    </a:schemeClr>
+                  </a:solidFill>
+                  <a:latin typeface="Arial" panose="020B0604020202020204" pitchFamily="34" charset="0"/>
+                  <a:cs typeface="Arial" panose="020B0604020202020204" pitchFamily="34" charset="0"/>
+                </a:rPr>
+                <a:t>[Container: SQL Server – Azure]</a:t>
+              </a:r>
+            </a:p>
+            <a:p>
+              <a:pPr algn="ctr">
+                <a:defRPr/>
+              </a:pPr>
+              <a:r>
+                <a:rPr lang="pt-BR" sz="1600" b="1" dirty="0">
+                  <a:solidFill>
+                    <a:schemeClr val="bg2">
+                      <a:lumMod val="25000"/>
+                    </a:schemeClr>
+                  </a:solidFill>
+                  <a:latin typeface="Arial" panose="020B0604020202020204" pitchFamily="34" charset="0"/>
+                  <a:cs typeface="Arial" panose="020B0604020202020204" pitchFamily="34" charset="0"/>
+                </a:rPr>
+                <a:t>Base de dados do nosso sistema</a:t>
+              </a:r>
+              <a:endParaRPr lang="pt-BR" b="1" dirty="0">
                 <a:solidFill>
-                  <a:srgbClr val="00B050"/>
+                  <a:schemeClr val="bg2">
+                    <a:lumMod val="25000"/>
+                  </a:schemeClr>
                 </a:solidFill>
-              </a:ln>
-            </p:spPr>
-            <p:style>
-              <a:lnRef idx="2">
-                <a:schemeClr val="accent1">
-                  <a:shade val="50000"/>
-                </a:schemeClr>
-              </a:lnRef>
-              <a:fillRef idx="1">
-                <a:schemeClr val="accent1"/>
-              </a:fillRef>
-              <a:effectRef idx="0">
-                <a:schemeClr val="accent1"/>
-              </a:effectRef>
-              <a:fontRef idx="minor">
-                <a:schemeClr val="lt1"/>
-              </a:fontRef>
-            </p:style>
-            <p:txBody>
-              <a:bodyPr rtlCol="0" anchor="ctr"/>
-              <a:lstStyle/>
-              <a:p>
-                <a:pPr algn="ctr"/>
-                <a:endParaRPr lang="pt-BR" dirty="0">
+                <a:latin typeface="Arial" panose="020B0604020202020204" pitchFamily="34" charset="0"/>
+                <a:cs typeface="Arial" panose="020B0604020202020204" pitchFamily="34" charset="0"/>
+              </a:endParaRPr>
+            </a:p>
+          </p:txBody>
+        </p:sp>
+      </p:grpSp>
+      <p:cxnSp>
+        <p:nvCxnSpPr>
+          <p:cNvPr id="44" name="Conector de Seta Reta 43">
+            <a:extLst>
+              <a:ext uri="{FF2B5EF4-FFF2-40B4-BE49-F238E27FC236}">
+                <a16:creationId xmlns:a16="http://schemas.microsoft.com/office/drawing/2014/main" id="{7EA32571-72D4-4A7D-ACC0-65957B05768C}"/>
+              </a:ext>
+            </a:extLst>
+          </p:cNvPr>
+          <p:cNvCxnSpPr>
+            <a:cxnSpLocks/>
+            <a:stCxn id="32" idx="0"/>
+          </p:cNvCxnSpPr>
+          <p:nvPr/>
+        </p:nvCxnSpPr>
+        <p:spPr>
+          <a:xfrm flipV="1">
+            <a:off x="6130875" y="3233983"/>
+            <a:ext cx="0" cy="776229"/>
+          </a:xfrm>
+          <a:prstGeom prst="straightConnector1">
+            <a:avLst/>
+          </a:prstGeom>
+          <a:ln>
+            <a:solidFill>
+              <a:schemeClr val="bg2">
+                <a:lumMod val="25000"/>
+              </a:schemeClr>
+            </a:solidFill>
+            <a:tailEnd type="triangle"/>
+          </a:ln>
+        </p:spPr>
+        <p:style>
+          <a:lnRef idx="1">
+            <a:schemeClr val="accent1"/>
+          </a:lnRef>
+          <a:fillRef idx="0">
+            <a:schemeClr val="accent1"/>
+          </a:fillRef>
+          <a:effectRef idx="0">
+            <a:schemeClr val="accent1"/>
+          </a:effectRef>
+          <a:fontRef idx="minor">
+            <a:schemeClr val="tx1"/>
+          </a:fontRef>
+        </p:style>
+      </p:cxnSp>
+      <p:cxnSp>
+        <p:nvCxnSpPr>
+          <p:cNvPr id="47" name="Conector de Seta Reta 46">
+            <a:extLst>
+              <a:ext uri="{FF2B5EF4-FFF2-40B4-BE49-F238E27FC236}">
+                <a16:creationId xmlns:a16="http://schemas.microsoft.com/office/drawing/2014/main" id="{D391F2D8-9094-46D9-9046-BFF16E915F1E}"/>
+              </a:ext>
+            </a:extLst>
+          </p:cNvPr>
+          <p:cNvCxnSpPr>
+            <a:cxnSpLocks/>
+          </p:cNvCxnSpPr>
+          <p:nvPr/>
+        </p:nvCxnSpPr>
+        <p:spPr>
+          <a:xfrm>
+            <a:off x="3733212" y="5172282"/>
+            <a:ext cx="1009896" cy="0"/>
+          </a:xfrm>
+          <a:prstGeom prst="straightConnector1">
+            <a:avLst/>
+          </a:prstGeom>
+          <a:ln>
+            <a:solidFill>
+              <a:schemeClr val="tx2"/>
+            </a:solidFill>
+            <a:tailEnd type="triangle"/>
+          </a:ln>
+        </p:spPr>
+        <p:style>
+          <a:lnRef idx="1">
+            <a:schemeClr val="accent1"/>
+          </a:lnRef>
+          <a:fillRef idx="0">
+            <a:schemeClr val="accent1"/>
+          </a:fillRef>
+          <a:effectRef idx="0">
+            <a:schemeClr val="accent1"/>
+          </a:effectRef>
+          <a:fontRef idx="minor">
+            <a:schemeClr val="tx1"/>
+          </a:fontRef>
+        </p:style>
+      </p:cxnSp>
+      <p:cxnSp>
+        <p:nvCxnSpPr>
+          <p:cNvPr id="55" name="Conector de Seta Reta 54">
+            <a:extLst>
+              <a:ext uri="{FF2B5EF4-FFF2-40B4-BE49-F238E27FC236}">
+                <a16:creationId xmlns:a16="http://schemas.microsoft.com/office/drawing/2014/main" id="{DAE10DD1-8D2C-45DF-B83B-56C68CEA7A07}"/>
+              </a:ext>
+            </a:extLst>
+          </p:cNvPr>
+          <p:cNvCxnSpPr>
+            <a:cxnSpLocks/>
+          </p:cNvCxnSpPr>
+          <p:nvPr/>
+        </p:nvCxnSpPr>
+        <p:spPr>
+          <a:xfrm flipH="1" flipV="1">
+            <a:off x="6707151" y="2603888"/>
+            <a:ext cx="2106847" cy="1406324"/>
+          </a:xfrm>
+          <a:prstGeom prst="straightConnector1">
+            <a:avLst/>
+          </a:prstGeom>
+          <a:ln>
+            <a:solidFill>
+              <a:schemeClr val="bg2">
+                <a:lumMod val="25000"/>
+              </a:schemeClr>
+            </a:solidFill>
+            <a:tailEnd type="triangle"/>
+          </a:ln>
+        </p:spPr>
+        <p:style>
+          <a:lnRef idx="1">
+            <a:schemeClr val="accent1"/>
+          </a:lnRef>
+          <a:fillRef idx="0">
+            <a:schemeClr val="accent1"/>
+          </a:fillRef>
+          <a:effectRef idx="0">
+            <a:schemeClr val="accent1"/>
+          </a:effectRef>
+          <a:fontRef idx="minor">
+            <a:schemeClr val="tx1"/>
+          </a:fontRef>
+        </p:style>
+      </p:cxnSp>
+      <p:cxnSp>
+        <p:nvCxnSpPr>
+          <p:cNvPr id="58" name="Conector de Seta Reta 57">
+            <a:extLst>
+              <a:ext uri="{FF2B5EF4-FFF2-40B4-BE49-F238E27FC236}">
+                <a16:creationId xmlns:a16="http://schemas.microsoft.com/office/drawing/2014/main" id="{A7D7CCAD-2CD7-4A1F-AFAA-AD7722C96057}"/>
+              </a:ext>
+            </a:extLst>
+          </p:cNvPr>
+          <p:cNvCxnSpPr>
+            <a:cxnSpLocks/>
+            <a:stCxn id="36" idx="1"/>
+          </p:cNvCxnSpPr>
+          <p:nvPr/>
+        </p:nvCxnSpPr>
+        <p:spPr>
+          <a:xfrm flipH="1" flipV="1">
+            <a:off x="7512525" y="5131275"/>
+            <a:ext cx="1011344" cy="21656"/>
+          </a:xfrm>
+          <a:prstGeom prst="straightConnector1">
+            <a:avLst/>
+          </a:prstGeom>
+          <a:ln>
+            <a:solidFill>
+              <a:schemeClr val="bg2">
+                <a:lumMod val="25000"/>
+              </a:schemeClr>
+            </a:solidFill>
+            <a:tailEnd type="triangle"/>
+          </a:ln>
+        </p:spPr>
+        <p:style>
+          <a:lnRef idx="1">
+            <a:schemeClr val="accent1"/>
+          </a:lnRef>
+          <a:fillRef idx="0">
+            <a:schemeClr val="accent1"/>
+          </a:fillRef>
+          <a:effectRef idx="0">
+            <a:schemeClr val="accent1"/>
+          </a:effectRef>
+          <a:fontRef idx="minor">
+            <a:schemeClr val="tx1"/>
+          </a:fontRef>
+        </p:style>
+      </p:cxnSp>
+      <p:cxnSp>
+        <p:nvCxnSpPr>
+          <p:cNvPr id="69" name="Conector de Seta Reta 68">
+            <a:extLst>
+              <a:ext uri="{FF2B5EF4-FFF2-40B4-BE49-F238E27FC236}">
+                <a16:creationId xmlns:a16="http://schemas.microsoft.com/office/drawing/2014/main" id="{9F4213DE-C61C-484B-8939-195120732759}"/>
+              </a:ext>
+            </a:extLst>
+          </p:cNvPr>
+          <p:cNvCxnSpPr>
+            <a:cxnSpLocks/>
+          </p:cNvCxnSpPr>
+          <p:nvPr/>
+        </p:nvCxnSpPr>
+        <p:spPr>
+          <a:xfrm>
+            <a:off x="9855221" y="3140344"/>
+            <a:ext cx="0" cy="797667"/>
+          </a:xfrm>
+          <a:prstGeom prst="straightConnector1">
+            <a:avLst/>
+          </a:prstGeom>
+          <a:ln>
+            <a:solidFill>
+              <a:schemeClr val="bg2">
+                <a:lumMod val="25000"/>
+              </a:schemeClr>
+            </a:solidFill>
+            <a:tailEnd type="triangle"/>
+          </a:ln>
+        </p:spPr>
+        <p:style>
+          <a:lnRef idx="1">
+            <a:schemeClr val="accent1"/>
+          </a:lnRef>
+          <a:fillRef idx="0">
+            <a:schemeClr val="accent1"/>
+          </a:fillRef>
+          <a:effectRef idx="0">
+            <a:schemeClr val="accent1"/>
+          </a:effectRef>
+          <a:fontRef idx="minor">
+            <a:schemeClr val="tx1"/>
+          </a:fontRef>
+        </p:style>
+      </p:cxnSp>
+      <p:sp>
+        <p:nvSpPr>
+          <p:cNvPr id="72" name="CaixaDeTexto 71">
+            <a:extLst>
+              <a:ext uri="{FF2B5EF4-FFF2-40B4-BE49-F238E27FC236}">
+                <a16:creationId xmlns:a16="http://schemas.microsoft.com/office/drawing/2014/main" id="{A520E92E-4BDC-4CC5-BD9B-3470F4236BF6}"/>
+              </a:ext>
+            </a:extLst>
+          </p:cNvPr>
+          <p:cNvSpPr txBox="1"/>
+          <p:nvPr/>
+        </p:nvSpPr>
+        <p:spPr>
+          <a:xfrm>
+            <a:off x="162025" y="109257"/>
+            <a:ext cx="5803345" cy="523220"/>
+          </a:xfrm>
+          <a:prstGeom prst="rect">
+            <a:avLst/>
+          </a:prstGeom>
+          <a:noFill/>
+        </p:spPr>
+        <p:txBody>
+          <a:bodyPr wrap="square" rtlCol="0">
+            <a:spAutoFit/>
+          </a:bodyPr>
+          <a:lstStyle/>
+          <a:p>
+            <a:pPr algn="ctr"/>
+            <a:r>
+              <a:rPr lang="pt-BR" sz="2800" b="1" dirty="0">
+                <a:solidFill>
+                  <a:schemeClr val="bg2">
+                    <a:lumMod val="25000"/>
+                  </a:schemeClr>
+                </a:solidFill>
+                <a:latin typeface="Arial" panose="020B0604020202020204" pitchFamily="34" charset="0"/>
+                <a:cs typeface="Arial" panose="020B0604020202020204" pitchFamily="34" charset="0"/>
+              </a:rPr>
+              <a:t>Visão macro do Software Alpha:</a:t>
+            </a:r>
+          </a:p>
+        </p:txBody>
+      </p:sp>
+      <p:grpSp>
+        <p:nvGrpSpPr>
+          <p:cNvPr id="20" name="Group 19">
+            <a:extLst>
+              <a:ext uri="{FF2B5EF4-FFF2-40B4-BE49-F238E27FC236}">
+                <a16:creationId xmlns:a16="http://schemas.microsoft.com/office/drawing/2014/main" id="{FD0D8F41-F184-4435-90D0-C68523069141}"/>
+              </a:ext>
+            </a:extLst>
+          </p:cNvPr>
+          <p:cNvGrpSpPr/>
+          <p:nvPr/>
+        </p:nvGrpSpPr>
+        <p:grpSpPr>
+          <a:xfrm>
+            <a:off x="4743108" y="4010212"/>
+            <a:ext cx="2756629" cy="2267885"/>
+            <a:chOff x="4089960" y="4184380"/>
+            <a:chExt cx="2756629" cy="2267885"/>
+          </a:xfrm>
+        </p:grpSpPr>
+        <p:sp>
+          <p:nvSpPr>
+            <p:cNvPr id="27" name="CaixaDeTexto 26">
+              <a:extLst>
+                <a:ext uri="{FF2B5EF4-FFF2-40B4-BE49-F238E27FC236}">
+                  <a16:creationId xmlns:a16="http://schemas.microsoft.com/office/drawing/2014/main" id="{F5ACA0E2-66BA-4DBE-87BC-E43C296CF96F}"/>
+                </a:ext>
+              </a:extLst>
+            </p:cNvPr>
+            <p:cNvSpPr txBox="1"/>
+            <p:nvPr/>
+          </p:nvSpPr>
+          <p:spPr>
+            <a:xfrm>
+              <a:off x="4089960" y="4428280"/>
+              <a:ext cx="2756629" cy="1754326"/>
+            </a:xfrm>
+            <a:prstGeom prst="rect">
+              <a:avLst/>
+            </a:prstGeom>
+            <a:noFill/>
+          </p:spPr>
+          <p:txBody>
+            <a:bodyPr wrap="square">
+              <a:spAutoFit/>
+            </a:bodyPr>
+            <a:lstStyle/>
+            <a:p>
+              <a:pPr algn="ctr">
+                <a:defRPr/>
+              </a:pPr>
+              <a:r>
+                <a:rPr lang="pt-BR" b="1" dirty="0">
                   <a:solidFill>
-                    <a:prstClr val="white"/>
+                    <a:schemeClr val="bg2">
+                      <a:lumMod val="25000"/>
+                    </a:schemeClr>
                   </a:solidFill>
-                  <a:latin typeface="Calibri"/>
-                </a:endParaRPr>
-              </a:p>
-            </p:txBody>
-          </p:sp>
-          <p:sp>
-            <p:nvSpPr>
-              <p:cNvPr id="7" name="Multiply 18">
-                <a:extLst>
-                  <a:ext uri="{FF2B5EF4-FFF2-40B4-BE49-F238E27FC236}">
-                    <a16:creationId xmlns:a16="http://schemas.microsoft.com/office/drawing/2014/main" id="{3561D18B-35F7-4D7B-A0B3-63996EE09F0B}"/>
-                  </a:ext>
-                </a:extLst>
-              </p:cNvPr>
-              <p:cNvSpPr/>
-              <p:nvPr/>
-            </p:nvSpPr>
-            <p:spPr>
-              <a:xfrm>
-                <a:off x="2664342" y="266135"/>
-                <a:ext cx="178589" cy="269632"/>
-              </a:xfrm>
-              <a:prstGeom prst="mathMultiply">
-                <a:avLst/>
-              </a:prstGeom>
-              <a:grpFill/>
-              <a:ln>
+                  <a:latin typeface="Arial" panose="020B0604020202020204" pitchFamily="34" charset="0"/>
+                  <a:cs typeface="Arial" panose="020B0604020202020204" pitchFamily="34" charset="0"/>
+                </a:rPr>
+                <a:t>Server </a:t>
+              </a:r>
+              <a:r>
+                <a:rPr lang="pt-BR" b="1" dirty="0" err="1">
+                  <a:solidFill>
+                    <a:schemeClr val="bg2">
+                      <a:lumMod val="25000"/>
+                    </a:schemeClr>
+                  </a:solidFill>
+                  <a:latin typeface="Arial" panose="020B0604020202020204" pitchFamily="34" charset="0"/>
+                  <a:cs typeface="Arial" panose="020B0604020202020204" pitchFamily="34" charset="0"/>
+                </a:rPr>
+                <a:t>Side</a:t>
+              </a:r>
+              <a:r>
+                <a:rPr lang="pt-BR" b="1" dirty="0">
+                  <a:solidFill>
+                    <a:schemeClr val="bg2">
+                      <a:lumMod val="25000"/>
+                    </a:schemeClr>
+                  </a:solidFill>
+                  <a:latin typeface="Arial" panose="020B0604020202020204" pitchFamily="34" charset="0"/>
+                  <a:cs typeface="Arial" panose="020B0604020202020204" pitchFamily="34" charset="0"/>
+                </a:rPr>
+                <a:t> Web </a:t>
+              </a:r>
+              <a:r>
+                <a:rPr lang="pt-BR" b="1" dirty="0" err="1">
+                  <a:solidFill>
+                    <a:schemeClr val="bg2">
+                      <a:lumMod val="25000"/>
+                    </a:schemeClr>
+                  </a:solidFill>
+                  <a:latin typeface="Arial" panose="020B0604020202020204" pitchFamily="34" charset="0"/>
+                  <a:cs typeface="Arial" panose="020B0604020202020204" pitchFamily="34" charset="0"/>
+                </a:rPr>
+                <a:t>Application</a:t>
+              </a:r>
+              <a:endParaRPr lang="pt-BR" b="1" dirty="0">
                 <a:solidFill>
-                  <a:srgbClr val="00B050"/>
+                  <a:schemeClr val="bg2">
+                    <a:lumMod val="25000"/>
+                  </a:schemeClr>
                 </a:solidFill>
-              </a:ln>
-            </p:spPr>
-            <p:style>
-              <a:lnRef idx="2">
-                <a:schemeClr val="accent1">
-                  <a:shade val="50000"/>
-                </a:schemeClr>
-              </a:lnRef>
-              <a:fillRef idx="1">
-                <a:schemeClr val="accent1"/>
-              </a:fillRef>
-              <a:effectRef idx="0">
-                <a:schemeClr val="accent1"/>
-              </a:effectRef>
-              <a:fontRef idx="minor">
-                <a:schemeClr val="lt1"/>
-              </a:fontRef>
-            </p:style>
-            <p:txBody>
-              <a:bodyPr rtlCol="0" anchor="ctr"/>
-              <a:lstStyle/>
-              <a:p>
-                <a:pPr algn="ctr"/>
-                <a:endParaRPr lang="pt-BR" dirty="0"/>
-              </a:p>
-            </p:txBody>
-          </p:sp>
-          <p:sp>
-            <p:nvSpPr>
-              <p:cNvPr id="8" name="Circular Arrow 19">
-                <a:extLst>
-                  <a:ext uri="{FF2B5EF4-FFF2-40B4-BE49-F238E27FC236}">
-                    <a16:creationId xmlns:a16="http://schemas.microsoft.com/office/drawing/2014/main" id="{4AACC48D-EEED-4B25-8475-FD7DB804AD9F}"/>
-                  </a:ext>
-                </a:extLst>
-              </p:cNvPr>
-              <p:cNvSpPr/>
-              <p:nvPr/>
-            </p:nvSpPr>
-            <p:spPr>
-              <a:xfrm rot="16500000">
-                <a:off x="2478990" y="304090"/>
-                <a:ext cx="196871" cy="216539"/>
-              </a:xfrm>
-              <a:prstGeom prst="circularArrow">
-                <a:avLst/>
-              </a:prstGeom>
-              <a:grpFill/>
-              <a:ln>
+                <a:latin typeface="Arial" panose="020B0604020202020204" pitchFamily="34" charset="0"/>
+                <a:cs typeface="Arial" panose="020B0604020202020204" pitchFamily="34" charset="0"/>
+              </a:endParaRPr>
+            </a:p>
+            <a:p>
+              <a:pPr algn="ctr">
+                <a:defRPr/>
+              </a:pPr>
+              <a:r>
+                <a:rPr lang="pt-BR" b="1" dirty="0">
+                  <a:solidFill>
+                    <a:schemeClr val="bg2">
+                      <a:lumMod val="25000"/>
+                    </a:schemeClr>
+                  </a:solidFill>
+                  <a:latin typeface="Arial" panose="020B0604020202020204" pitchFamily="34" charset="0"/>
+                  <a:cs typeface="Arial" panose="020B0604020202020204" pitchFamily="34" charset="0"/>
+                </a:rPr>
+                <a:t>[Container: SpringBoot</a:t>
+              </a:r>
+            </a:p>
+            <a:p>
+              <a:pPr algn="ctr">
+                <a:defRPr/>
+              </a:pPr>
+              <a:endParaRPr lang="pt-BR" b="1" dirty="0">
                 <a:solidFill>
-                  <a:srgbClr val="00B050"/>
+                  <a:schemeClr val="bg2">
+                    <a:lumMod val="25000"/>
+                  </a:schemeClr>
                 </a:solidFill>
-              </a:ln>
-            </p:spPr>
-            <p:style>
-              <a:lnRef idx="2">
-                <a:schemeClr val="accent1">
-                  <a:shade val="50000"/>
-                </a:schemeClr>
-              </a:lnRef>
-              <a:fillRef idx="1">
-                <a:schemeClr val="accent1"/>
-              </a:fillRef>
-              <a:effectRef idx="0">
-                <a:schemeClr val="accent1"/>
-              </a:effectRef>
-              <a:fontRef idx="minor">
-                <a:schemeClr val="lt1"/>
-              </a:fontRef>
-            </p:style>
-            <p:txBody>
-              <a:bodyPr rtlCol="0" anchor="ctr"/>
-              <a:lstStyle/>
-              <a:p>
-                <a:pPr algn="ctr"/>
-                <a:endParaRPr lang="pt-BR" dirty="0">
+                <a:latin typeface="Arial" panose="020B0604020202020204" pitchFamily="34" charset="0"/>
+                <a:cs typeface="Arial" panose="020B0604020202020204" pitchFamily="34" charset="0"/>
+              </a:endParaRPr>
+            </a:p>
+            <a:p>
+              <a:pPr algn="ctr">
+                <a:defRPr/>
+              </a:pPr>
+              <a:endParaRPr lang="pt-BR" b="1" dirty="0">
+                <a:solidFill>
+                  <a:schemeClr val="bg2">
+                    <a:lumMod val="25000"/>
+                  </a:schemeClr>
+                </a:solidFill>
+                <a:latin typeface="Arial" panose="020B0604020202020204" pitchFamily="34" charset="0"/>
+                <a:cs typeface="Arial" panose="020B0604020202020204" pitchFamily="34" charset="0"/>
+              </a:endParaRPr>
+            </a:p>
+            <a:p>
+              <a:pPr algn="ctr">
+                <a:defRPr/>
+              </a:pPr>
+              <a:r>
+                <a:rPr lang="pt-BR" sz="1800" b="1" dirty="0">
                   <a:solidFill>
-                    <a:schemeClr val="tx1"/>
+                    <a:schemeClr val="bg2">
+                      <a:lumMod val="25000"/>
+                    </a:schemeClr>
                   </a:solidFill>
-                </a:endParaRPr>
-              </a:p>
-            </p:txBody>
-          </p:sp>
-        </p:grpSp>
+                  <a:latin typeface="Arial" panose="020B0604020202020204" pitchFamily="34" charset="0"/>
+                  <a:cs typeface="Arial" panose="020B0604020202020204" pitchFamily="34" charset="0"/>
+                </a:rPr>
+                <a:t>BackEnd da aplicação</a:t>
+              </a:r>
+            </a:p>
+          </p:txBody>
+        </p:sp>
+        <p:sp>
+          <p:nvSpPr>
+            <p:cNvPr id="32" name="Retângulo 17">
+              <a:extLst>
+                <a:ext uri="{FF2B5EF4-FFF2-40B4-BE49-F238E27FC236}">
+                  <a16:creationId xmlns:a16="http://schemas.microsoft.com/office/drawing/2014/main" id="{0DCDE734-B986-45E6-90BE-526F51F13DA2}"/>
+                </a:ext>
+              </a:extLst>
+            </p:cNvPr>
+            <p:cNvSpPr/>
+            <p:nvPr/>
+          </p:nvSpPr>
+          <p:spPr>
+            <a:xfrm>
+              <a:off x="4146374" y="4184380"/>
+              <a:ext cx="2662705" cy="2267885"/>
+            </a:xfrm>
+            <a:prstGeom prst="rect">
+              <a:avLst/>
+            </a:prstGeom>
+            <a:noFill/>
+            <a:ln>
+              <a:solidFill>
+                <a:srgbClr val="00B050"/>
+              </a:solidFill>
+            </a:ln>
+          </p:spPr>
+          <p:style>
+            <a:lnRef idx="2">
+              <a:schemeClr val="accent5">
+                <a:shade val="50000"/>
+              </a:schemeClr>
+            </a:lnRef>
+            <a:fillRef idx="1">
+              <a:schemeClr val="accent5"/>
+            </a:fillRef>
+            <a:effectRef idx="0">
+              <a:schemeClr val="accent5"/>
+            </a:effectRef>
+            <a:fontRef idx="minor">
+              <a:schemeClr val="lt1"/>
+            </a:fontRef>
+          </p:style>
+          <p:txBody>
+            <a:bodyPr rtlCol="0" anchor="ctr"/>
+            <a:lstStyle/>
+            <a:p>
+              <a:pPr algn="ctr"/>
+              <a:endParaRPr lang="pt-BR" sz="1800" dirty="0">
+                <a:solidFill>
+                  <a:prstClr val="white"/>
+                </a:solidFill>
+                <a:latin typeface="Calibri"/>
+              </a:endParaRPr>
+            </a:p>
+          </p:txBody>
+        </p:sp>
       </p:grpSp>
-      <p:sp>
-        <p:nvSpPr>
-          <p:cNvPr id="18" name="Retângulo 17">
-            <a:extLst>
-              <a:ext uri="{FF2B5EF4-FFF2-40B4-BE49-F238E27FC236}">
-                <a16:creationId xmlns:a16="http://schemas.microsoft.com/office/drawing/2014/main" id="{3F23BCDB-84FC-471E-BEC5-21B62A878667}"/>
+      <p:grpSp>
+        <p:nvGrpSpPr>
+          <p:cNvPr id="21" name="Group 20">
+            <a:extLst>
+              <a:ext uri="{FF2B5EF4-FFF2-40B4-BE49-F238E27FC236}">
+                <a16:creationId xmlns:a16="http://schemas.microsoft.com/office/drawing/2014/main" id="{047C5025-D522-43DE-9A03-F7495FAD416A}"/>
+              </a:ext>
+            </a:extLst>
+          </p:cNvPr>
+          <p:cNvGrpSpPr/>
+          <p:nvPr/>
+        </p:nvGrpSpPr>
+        <p:grpSpPr>
+          <a:xfrm>
+            <a:off x="992446" y="4020134"/>
+            <a:ext cx="2818828" cy="2267885"/>
+            <a:chOff x="339298" y="4020134"/>
+            <a:chExt cx="2818828" cy="2267885"/>
+          </a:xfrm>
+        </p:grpSpPr>
+        <p:sp>
+          <p:nvSpPr>
+            <p:cNvPr id="42" name="CaixaDeTexto 41">
+              <a:extLst>
+                <a:ext uri="{FF2B5EF4-FFF2-40B4-BE49-F238E27FC236}">
+                  <a16:creationId xmlns:a16="http://schemas.microsoft.com/office/drawing/2014/main" id="{F4283117-DB81-491B-A282-05C75A5EAA1D}"/>
+                </a:ext>
+              </a:extLst>
+            </p:cNvPr>
+            <p:cNvSpPr txBox="1"/>
+            <p:nvPr/>
+          </p:nvSpPr>
+          <p:spPr>
+            <a:xfrm>
+              <a:off x="339298" y="4710617"/>
+              <a:ext cx="2818828" cy="923330"/>
+            </a:xfrm>
+            <a:prstGeom prst="rect">
+              <a:avLst/>
+            </a:prstGeom>
+            <a:noFill/>
+          </p:spPr>
+          <p:txBody>
+            <a:bodyPr wrap="square">
+              <a:spAutoFit/>
+            </a:bodyPr>
+            <a:lstStyle/>
+            <a:p>
+              <a:pPr algn="ctr"/>
+              <a:r>
+                <a:rPr lang="pt-BR" b="1" dirty="0" err="1">
+                  <a:solidFill>
+                    <a:schemeClr val="bg2">
+                      <a:lumMod val="25000"/>
+                    </a:schemeClr>
+                  </a:solidFill>
+                  <a:latin typeface="Arial" panose="020B0604020202020204" pitchFamily="34" charset="0"/>
+                  <a:cs typeface="Arial" panose="020B0604020202020204" pitchFamily="34" charset="0"/>
+                </a:rPr>
+                <a:t>ClientSide</a:t>
+              </a:r>
+              <a:r>
+                <a:rPr lang="pt-BR" b="1" dirty="0">
+                  <a:solidFill>
+                    <a:schemeClr val="bg2">
+                      <a:lumMod val="25000"/>
+                    </a:schemeClr>
+                  </a:solidFill>
+                  <a:latin typeface="Arial" panose="020B0604020202020204" pitchFamily="34" charset="0"/>
+                  <a:cs typeface="Arial" panose="020B0604020202020204" pitchFamily="34" charset="0"/>
+                </a:rPr>
+                <a:t> Web</a:t>
+              </a:r>
+            </a:p>
+            <a:p>
+              <a:pPr algn="ctr"/>
+              <a:r>
+                <a:rPr lang="pt-BR" b="1" dirty="0">
+                  <a:solidFill>
+                    <a:schemeClr val="bg2">
+                      <a:lumMod val="25000"/>
+                    </a:schemeClr>
+                  </a:solidFill>
+                  <a:latin typeface="Arial" panose="020B0604020202020204" pitchFamily="34" charset="0"/>
+                  <a:cs typeface="Arial" panose="020B0604020202020204" pitchFamily="34" charset="0"/>
+                </a:rPr>
+                <a:t>[Container: JS + </a:t>
+              </a:r>
+              <a:r>
+                <a:rPr lang="pt-BR" b="1" dirty="0" err="1">
+                  <a:solidFill>
+                    <a:schemeClr val="bg2">
+                      <a:lumMod val="25000"/>
+                    </a:schemeClr>
+                  </a:solidFill>
+                  <a:latin typeface="Arial" panose="020B0604020202020204" pitchFamily="34" charset="0"/>
+                  <a:cs typeface="Arial" panose="020B0604020202020204" pitchFamily="34" charset="0"/>
+                </a:rPr>
+                <a:t>React</a:t>
+              </a:r>
+              <a:r>
+                <a:rPr lang="pt-BR" b="1" dirty="0">
+                  <a:solidFill>
+                    <a:schemeClr val="bg2">
+                      <a:lumMod val="25000"/>
+                    </a:schemeClr>
+                  </a:solidFill>
+                  <a:latin typeface="Arial" panose="020B0604020202020204" pitchFamily="34" charset="0"/>
+                  <a:cs typeface="Arial" panose="020B0604020202020204" pitchFamily="34" charset="0"/>
+                </a:rPr>
+                <a:t>]</a:t>
+              </a:r>
+            </a:p>
+            <a:p>
+              <a:pPr algn="ctr"/>
+              <a:r>
+                <a:rPr lang="pt-BR" b="1" dirty="0">
+                  <a:solidFill>
+                    <a:schemeClr val="bg2">
+                      <a:lumMod val="25000"/>
+                    </a:schemeClr>
+                  </a:solidFill>
+                  <a:latin typeface="Arial" panose="020B0604020202020204" pitchFamily="34" charset="0"/>
+                  <a:cs typeface="Arial" panose="020B0604020202020204" pitchFamily="34" charset="0"/>
+                </a:rPr>
+                <a:t>Site Institucional</a:t>
+              </a:r>
+            </a:p>
+          </p:txBody>
+        </p:sp>
+        <p:sp>
+          <p:nvSpPr>
+            <p:cNvPr id="34" name="Retângulo 17">
+              <a:extLst>
+                <a:ext uri="{FF2B5EF4-FFF2-40B4-BE49-F238E27FC236}">
+                  <a16:creationId xmlns:a16="http://schemas.microsoft.com/office/drawing/2014/main" id="{7F644465-DC3D-411F-B58F-C128BAAA02E2}"/>
+                </a:ext>
+              </a:extLst>
+            </p:cNvPr>
+            <p:cNvSpPr/>
+            <p:nvPr/>
+          </p:nvSpPr>
+          <p:spPr>
+            <a:xfrm>
+              <a:off x="417359" y="4020134"/>
+              <a:ext cx="2662705" cy="2267885"/>
+            </a:xfrm>
+            <a:prstGeom prst="rect">
+              <a:avLst/>
+            </a:prstGeom>
+            <a:noFill/>
+            <a:ln>
+              <a:solidFill>
+                <a:srgbClr val="00B050"/>
+              </a:solidFill>
+            </a:ln>
+          </p:spPr>
+          <p:style>
+            <a:lnRef idx="2">
+              <a:schemeClr val="accent5">
+                <a:shade val="50000"/>
+              </a:schemeClr>
+            </a:lnRef>
+            <a:fillRef idx="1">
+              <a:schemeClr val="accent5"/>
+            </a:fillRef>
+            <a:effectRef idx="0">
+              <a:schemeClr val="accent5"/>
+            </a:effectRef>
+            <a:fontRef idx="minor">
+              <a:schemeClr val="lt1"/>
+            </a:fontRef>
+          </p:style>
+          <p:txBody>
+            <a:bodyPr rtlCol="0" anchor="ctr"/>
+            <a:lstStyle/>
+            <a:p>
+              <a:pPr algn="ctr"/>
+              <a:endParaRPr lang="pt-BR" sz="1800" dirty="0">
+                <a:solidFill>
+                  <a:prstClr val="white"/>
+                </a:solidFill>
+                <a:latin typeface="Calibri"/>
+              </a:endParaRPr>
+            </a:p>
+          </p:txBody>
+        </p:sp>
+      </p:grpSp>
+      <p:grpSp>
+        <p:nvGrpSpPr>
+          <p:cNvPr id="19" name="Group 18">
+            <a:extLst>
+              <a:ext uri="{FF2B5EF4-FFF2-40B4-BE49-F238E27FC236}">
+                <a16:creationId xmlns:a16="http://schemas.microsoft.com/office/drawing/2014/main" id="{14A7A1B4-D8DB-42BA-BDD1-6C57D7698CDF}"/>
+              </a:ext>
+            </a:extLst>
+          </p:cNvPr>
+          <p:cNvGrpSpPr/>
+          <p:nvPr/>
+        </p:nvGrpSpPr>
+        <p:grpSpPr>
+          <a:xfrm>
+            <a:off x="8523869" y="4018988"/>
+            <a:ext cx="2662705" cy="2267885"/>
+            <a:chOff x="7885235" y="4149616"/>
+            <a:chExt cx="2662705" cy="2267885"/>
+          </a:xfrm>
+        </p:grpSpPr>
+        <p:sp>
+          <p:nvSpPr>
+            <p:cNvPr id="35" name="CaixaDeTexto 34">
+              <a:extLst>
+                <a:ext uri="{FF2B5EF4-FFF2-40B4-BE49-F238E27FC236}">
+                  <a16:creationId xmlns:a16="http://schemas.microsoft.com/office/drawing/2014/main" id="{F1A89008-6300-4953-BF19-FEA3A70C2568}"/>
+                </a:ext>
+              </a:extLst>
+            </p:cNvPr>
+            <p:cNvSpPr txBox="1"/>
+            <p:nvPr/>
+          </p:nvSpPr>
+          <p:spPr>
+            <a:xfrm>
+              <a:off x="8029419" y="4443295"/>
+              <a:ext cx="2376264" cy="1723549"/>
+            </a:xfrm>
+            <a:prstGeom prst="rect">
+              <a:avLst/>
+            </a:prstGeom>
+            <a:noFill/>
+          </p:spPr>
+          <p:txBody>
+            <a:bodyPr wrap="square">
+              <a:spAutoFit/>
+            </a:bodyPr>
+            <a:lstStyle/>
+            <a:p>
+              <a:pPr lvl="0" algn="ctr">
+                <a:defRPr/>
+              </a:pPr>
+              <a:r>
+                <a:rPr lang="pt-BR" b="1" dirty="0">
+                  <a:solidFill>
+                    <a:schemeClr val="bg2">
+                      <a:lumMod val="25000"/>
+                    </a:schemeClr>
+                  </a:solidFill>
+                  <a:latin typeface="Arial" panose="020B0604020202020204" pitchFamily="34" charset="0"/>
+                  <a:cs typeface="Arial" panose="020B0604020202020204" pitchFamily="34" charset="0"/>
+                </a:rPr>
+                <a:t>Server </a:t>
+              </a:r>
+              <a:r>
+                <a:rPr lang="pt-BR" b="1" dirty="0" err="1">
+                  <a:solidFill>
+                    <a:schemeClr val="bg2">
+                      <a:lumMod val="25000"/>
+                    </a:schemeClr>
+                  </a:solidFill>
+                  <a:latin typeface="Arial" panose="020B0604020202020204" pitchFamily="34" charset="0"/>
+                  <a:cs typeface="Arial" panose="020B0604020202020204" pitchFamily="34" charset="0"/>
+                </a:rPr>
+                <a:t>Side</a:t>
+              </a:r>
+              <a:r>
+                <a:rPr lang="pt-BR" b="1" dirty="0">
+                  <a:solidFill>
+                    <a:schemeClr val="bg2">
+                      <a:lumMod val="25000"/>
+                    </a:schemeClr>
+                  </a:solidFill>
+                  <a:latin typeface="Arial" panose="020B0604020202020204" pitchFamily="34" charset="0"/>
+                  <a:cs typeface="Arial" panose="020B0604020202020204" pitchFamily="34" charset="0"/>
+                </a:rPr>
+                <a:t> Web App </a:t>
+              </a:r>
+            </a:p>
+            <a:p>
+              <a:pPr lvl="0" algn="ctr">
+                <a:defRPr/>
+              </a:pPr>
+              <a:r>
+                <a:rPr lang="pt-BR" b="1" dirty="0">
+                  <a:solidFill>
+                    <a:schemeClr val="bg2">
+                      <a:lumMod val="25000"/>
+                    </a:schemeClr>
+                  </a:solidFill>
+                  <a:latin typeface="Arial" panose="020B0604020202020204" pitchFamily="34" charset="0"/>
+                  <a:cs typeface="Arial" panose="020B0604020202020204" pitchFamily="34" charset="0"/>
+                </a:rPr>
+                <a:t>[Container:JS]</a:t>
+              </a:r>
+            </a:p>
+            <a:p>
+              <a:pPr lvl="0" algn="ctr">
+                <a:defRPr/>
+              </a:pPr>
+              <a:endParaRPr lang="pt-BR" b="1" dirty="0">
+                <a:solidFill>
+                  <a:schemeClr val="bg2">
+                    <a:lumMod val="25000"/>
+                  </a:schemeClr>
+                </a:solidFill>
+                <a:latin typeface="Arial" panose="020B0604020202020204" pitchFamily="34" charset="0"/>
+                <a:cs typeface="Arial" panose="020B0604020202020204" pitchFamily="34" charset="0"/>
+              </a:endParaRPr>
+            </a:p>
+            <a:p>
+              <a:pPr lvl="0" algn="ctr">
+                <a:defRPr/>
+              </a:pPr>
+              <a:endParaRPr lang="pt-BR" b="1" dirty="0">
+                <a:solidFill>
+                  <a:schemeClr val="bg2">
+                    <a:lumMod val="25000"/>
+                  </a:schemeClr>
+                </a:solidFill>
+                <a:latin typeface="Arial" panose="020B0604020202020204" pitchFamily="34" charset="0"/>
+                <a:cs typeface="Arial" panose="020B0604020202020204" pitchFamily="34" charset="0"/>
+              </a:endParaRPr>
+            </a:p>
+            <a:p>
+              <a:pPr lvl="0" algn="ctr">
+                <a:defRPr/>
+              </a:pPr>
+              <a:r>
+                <a:rPr lang="pt-BR" sz="1600" b="1" dirty="0">
+                  <a:solidFill>
+                    <a:schemeClr val="bg2">
+                      <a:lumMod val="25000"/>
+                    </a:schemeClr>
+                  </a:solidFill>
+                  <a:latin typeface="Arial" panose="020B0604020202020204" pitchFamily="34" charset="0"/>
+                  <a:cs typeface="Arial" panose="020B0604020202020204" pitchFamily="34" charset="0"/>
+                </a:rPr>
+                <a:t>Dashboard</a:t>
+              </a:r>
+            </a:p>
+          </p:txBody>
+        </p:sp>
+        <p:sp>
+          <p:nvSpPr>
+            <p:cNvPr id="36" name="Retângulo 17">
+              <a:extLst>
+                <a:ext uri="{FF2B5EF4-FFF2-40B4-BE49-F238E27FC236}">
+                  <a16:creationId xmlns:a16="http://schemas.microsoft.com/office/drawing/2014/main" id="{3E7F2D73-DB11-40D5-BCD0-760FBADD1CD8}"/>
+                </a:ext>
+              </a:extLst>
+            </p:cNvPr>
+            <p:cNvSpPr/>
+            <p:nvPr/>
+          </p:nvSpPr>
+          <p:spPr>
+            <a:xfrm>
+              <a:off x="7885235" y="4149616"/>
+              <a:ext cx="2662705" cy="2267885"/>
+            </a:xfrm>
+            <a:prstGeom prst="rect">
+              <a:avLst/>
+            </a:prstGeom>
+            <a:noFill/>
+            <a:ln>
+              <a:solidFill>
+                <a:srgbClr val="00B050"/>
+              </a:solidFill>
+            </a:ln>
+          </p:spPr>
+          <p:style>
+            <a:lnRef idx="2">
+              <a:schemeClr val="accent5">
+                <a:shade val="50000"/>
+              </a:schemeClr>
+            </a:lnRef>
+            <a:fillRef idx="1">
+              <a:schemeClr val="accent5"/>
+            </a:fillRef>
+            <a:effectRef idx="0">
+              <a:schemeClr val="accent5"/>
+            </a:effectRef>
+            <a:fontRef idx="minor">
+              <a:schemeClr val="lt1"/>
+            </a:fontRef>
+          </p:style>
+          <p:txBody>
+            <a:bodyPr rtlCol="0" anchor="ctr"/>
+            <a:lstStyle/>
+            <a:p>
+              <a:pPr algn="ctr"/>
+              <a:endParaRPr lang="pt-BR" sz="1800" dirty="0">
+                <a:solidFill>
+                  <a:prstClr val="white"/>
+                </a:solidFill>
+                <a:latin typeface="Calibri"/>
+              </a:endParaRPr>
+            </a:p>
+          </p:txBody>
+        </p:sp>
+      </p:grpSp>
+      <p:sp>
+        <p:nvSpPr>
+          <p:cNvPr id="56" name="Retângulo 17">
+            <a:extLst>
+              <a:ext uri="{FF2B5EF4-FFF2-40B4-BE49-F238E27FC236}">
+                <a16:creationId xmlns:a16="http://schemas.microsoft.com/office/drawing/2014/main" id="{EC9A4E3A-D8DB-4089-85C5-6CE36FFB609D}"/>
               </a:ext>
             </a:extLst>
           </p:cNvPr>
@@ -3726,15 +4611,13 @@
         </p:nvSpPr>
         <p:spPr>
           <a:xfrm>
-            <a:off x="8282609" y="884800"/>
+            <a:off x="8457129" y="877717"/>
             <a:ext cx="2662705" cy="2267885"/>
           </a:xfrm>
           <a:prstGeom prst="rect">
             <a:avLst/>
           </a:prstGeom>
-          <a:solidFill>
-            <a:srgbClr val="53CC89"/>
-          </a:solidFill>
+          <a:noFill/>
           <a:ln>
             <a:solidFill>
               <a:srgbClr val="00B050"/>
@@ -3773,10 +4656,10 @@
       </p:sp>
       <p:sp>
         <p:nvSpPr>
-          <p:cNvPr id="22" name="Retângulo 21">
-            <a:extLst>
-              <a:ext uri="{FF2B5EF4-FFF2-40B4-BE49-F238E27FC236}">
-                <a16:creationId xmlns:a16="http://schemas.microsoft.com/office/drawing/2014/main" id="{139AE5CE-6650-4289-815A-84B9B92AACF2}"/>
+          <p:cNvPr id="61" name="Retângulo 17">
+            <a:extLst>
+              <a:ext uri="{FF2B5EF4-FFF2-40B4-BE49-F238E27FC236}">
+                <a16:creationId xmlns:a16="http://schemas.microsoft.com/office/drawing/2014/main" id="{B23A2527-8896-43F8-89B1-C3677F8F54E9}"/>
               </a:ext>
             </a:extLst>
           </p:cNvPr>
@@ -3785,15 +4668,13 @@
         </p:nvSpPr>
         <p:spPr>
           <a:xfrm>
-            <a:off x="8407328" y="4121295"/>
-            <a:ext cx="2376264" cy="2267885"/>
+            <a:off x="1056271" y="4038339"/>
+            <a:ext cx="2662705" cy="2267885"/>
           </a:xfrm>
           <a:prstGeom prst="rect">
             <a:avLst/>
           </a:prstGeom>
-          <a:solidFill>
-            <a:srgbClr val="53CC89"/>
-          </a:solidFill>
+          <a:noFill/>
           <a:ln>
             <a:solidFill>
               <a:srgbClr val="00B050"/>
@@ -3820,765 +4701,127 @@
           <a:bodyPr rtlCol="0" anchor="ctr"/>
           <a:lstStyle/>
           <a:p>
-            <a:pPr lvl="0" algn="ctr">
-              <a:defRPr/>
-            </a:pPr>
-            <a:r>
-              <a:rPr lang="pt-BR" sz="1800" b="1" dirty="0">
-                <a:solidFill>
-                  <a:prstClr val="white"/>
-                </a:solidFill>
-              </a:rPr>
-              <a:t>Dashboard</a:t>
-            </a:r>
-            <a:endParaRPr lang="pt-BR" sz="1400" b="1" dirty="0">
+            <a:pPr algn="ctr"/>
+            <a:endParaRPr lang="pt-BR" sz="1800" dirty="0">
               <a:solidFill>
                 <a:prstClr val="white"/>
               </a:solidFill>
+              <a:latin typeface="Calibri"/>
             </a:endParaRPr>
           </a:p>
         </p:txBody>
       </p:sp>
       <p:sp>
         <p:nvSpPr>
-          <p:cNvPr id="27" name="CaixaDeTexto 26">
-            <a:extLst>
-              <a:ext uri="{FF2B5EF4-FFF2-40B4-BE49-F238E27FC236}">
-                <a16:creationId xmlns:a16="http://schemas.microsoft.com/office/drawing/2014/main" id="{F5ACA0E2-66BA-4DBE-87BC-E43C296CF96F}"/>
-              </a:ext>
-            </a:extLst>
-          </p:cNvPr>
-          <p:cNvSpPr txBox="1"/>
+          <p:cNvPr id="63" name="Retângulo 17">
+            <a:extLst>
+              <a:ext uri="{FF2B5EF4-FFF2-40B4-BE49-F238E27FC236}">
+                <a16:creationId xmlns:a16="http://schemas.microsoft.com/office/drawing/2014/main" id="{5D5E6ACA-EB0A-4C0A-AD85-C034DE8CA42A}"/>
+              </a:ext>
+            </a:extLst>
+          </p:cNvPr>
+          <p:cNvSpPr/>
           <p:nvPr/>
         </p:nvSpPr>
         <p:spPr>
           <a:xfrm>
-            <a:off x="3511409" y="4362020"/>
-            <a:ext cx="3995739" cy="646331"/>
+            <a:off x="8537031" y="4008160"/>
+            <a:ext cx="2662705" cy="2267885"/>
           </a:xfrm>
           <a:prstGeom prst="rect">
             <a:avLst/>
           </a:prstGeom>
           <a:noFill/>
+          <a:ln>
+            <a:solidFill>
+              <a:srgbClr val="00B050"/>
+            </a:solidFill>
+          </a:ln>
         </p:spPr>
-        <p:txBody>
-          <a:bodyPr wrap="square">
-            <a:spAutoFit/>
-          </a:bodyPr>
-          <a:lstStyle/>
-          <a:p>
-            <a:pPr lvl="0" algn="ctr">
-              <a:defRPr/>
-            </a:pPr>
-            <a:r>
-              <a:rPr lang="pt-BR" b="1" dirty="0">
-                <a:solidFill>
-                  <a:prstClr val="white"/>
-                </a:solidFill>
-              </a:rPr>
-              <a:t>Server </a:t>
-            </a:r>
-            <a:r>
-              <a:rPr lang="pt-BR" b="1" dirty="0" err="1">
-                <a:solidFill>
-                  <a:prstClr val="white"/>
-                </a:solidFill>
-              </a:rPr>
-              <a:t>Side</a:t>
-            </a:r>
-            <a:r>
-              <a:rPr lang="pt-BR" b="1" dirty="0">
-                <a:solidFill>
-                  <a:prstClr val="white"/>
-                </a:solidFill>
-              </a:rPr>
-              <a:t> Web </a:t>
-            </a:r>
-            <a:r>
-              <a:rPr lang="pt-BR" b="1" dirty="0" err="1">
-                <a:solidFill>
-                  <a:prstClr val="white"/>
-                </a:solidFill>
-              </a:rPr>
-              <a:t>Application</a:t>
-            </a:r>
-            <a:endParaRPr lang="pt-BR" b="1" dirty="0">
+        <p:style>
+          <a:lnRef idx="2">
+            <a:schemeClr val="accent5">
+              <a:shade val="50000"/>
+            </a:schemeClr>
+          </a:lnRef>
+          <a:fillRef idx="1">
+            <a:schemeClr val="accent5"/>
+          </a:fillRef>
+          <a:effectRef idx="0">
+            <a:schemeClr val="accent5"/>
+          </a:effectRef>
+          <a:fontRef idx="minor">
+            <a:schemeClr val="lt1"/>
+          </a:fontRef>
+        </p:style>
+        <p:txBody>
+          <a:bodyPr rtlCol="0" anchor="ctr"/>
+          <a:lstStyle/>
+          <a:p>
+            <a:pPr algn="ctr"/>
+            <a:endParaRPr lang="pt-BR" sz="1800" dirty="0">
               <a:solidFill>
                 <a:prstClr val="white"/>
               </a:solidFill>
+              <a:latin typeface="Calibri"/>
             </a:endParaRPr>
           </a:p>
-          <a:p>
-            <a:pPr lvl="0" algn="ctr">
-              <a:defRPr/>
-            </a:pPr>
-            <a:r>
-              <a:rPr lang="pt-BR" b="1" dirty="0">
-                <a:solidFill>
-                  <a:prstClr val="white"/>
-                </a:solidFill>
-              </a:rPr>
-              <a:t>[Container: </a:t>
-            </a:r>
-            <a:r>
-              <a:rPr lang="pt-BR" b="1" dirty="0" err="1">
-                <a:solidFill>
-                  <a:prstClr val="white"/>
-                </a:solidFill>
-              </a:rPr>
-              <a:t>SpringBoot</a:t>
-            </a:r>
-            <a:endParaRPr lang="pt-BR" b="1" dirty="0"/>
-          </a:p>
-        </p:txBody>
-      </p:sp>
-      <p:sp>
-        <p:nvSpPr>
-          <p:cNvPr id="29" name="CaixaDeTexto 28">
-            <a:extLst>
-              <a:ext uri="{FF2B5EF4-FFF2-40B4-BE49-F238E27FC236}">
-                <a16:creationId xmlns:a16="http://schemas.microsoft.com/office/drawing/2014/main" id="{9BCE9E78-CC28-4B65-97CB-9A7CD38EC3AC}"/>
-              </a:ext>
-            </a:extLst>
-          </p:cNvPr>
-          <p:cNvSpPr txBox="1"/>
+        </p:txBody>
+      </p:sp>
+      <p:sp>
+        <p:nvSpPr>
+          <p:cNvPr id="64" name="Retângulo 17">
+            <a:extLst>
+              <a:ext uri="{FF2B5EF4-FFF2-40B4-BE49-F238E27FC236}">
+                <a16:creationId xmlns:a16="http://schemas.microsoft.com/office/drawing/2014/main" id="{E67DC565-59C9-4BE3-B2EF-E6E74B76804E}"/>
+              </a:ext>
+            </a:extLst>
+          </p:cNvPr>
+          <p:cNvSpPr/>
           <p:nvPr/>
         </p:nvSpPr>
         <p:spPr>
           <a:xfrm>
-            <a:off x="2461278" y="5430275"/>
-            <a:ext cx="6096000" cy="369332"/>
+            <a:off x="4790070" y="3997332"/>
+            <a:ext cx="2662705" cy="2267885"/>
           </a:xfrm>
           <a:prstGeom prst="rect">
             <a:avLst/>
           </a:prstGeom>
           <a:noFill/>
+          <a:ln>
+            <a:solidFill>
+              <a:srgbClr val="00B050"/>
+            </a:solidFill>
+          </a:ln>
         </p:spPr>
-        <p:txBody>
-          <a:bodyPr wrap="square">
-            <a:spAutoFit/>
-          </a:bodyPr>
-          <a:lstStyle/>
-          <a:p>
-            <a:pPr lvl="0" algn="ctr">
-              <a:defRPr/>
-            </a:pPr>
-            <a:r>
-              <a:rPr lang="pt-BR" b="1" dirty="0" err="1">
-                <a:solidFill>
-                  <a:prstClr val="white"/>
-                </a:solidFill>
-              </a:rPr>
-              <a:t>BackEnd</a:t>
-            </a:r>
-            <a:r>
-              <a:rPr lang="pt-BR" b="1" dirty="0">
-                <a:solidFill>
-                  <a:prstClr val="white"/>
-                </a:solidFill>
-              </a:rPr>
-              <a:t> da aplicação</a:t>
-            </a:r>
-            <a:endParaRPr lang="pt-BR" sz="1400" b="1" dirty="0">
+        <p:style>
+          <a:lnRef idx="2">
+            <a:schemeClr val="accent5">
+              <a:shade val="50000"/>
+            </a:schemeClr>
+          </a:lnRef>
+          <a:fillRef idx="1">
+            <a:schemeClr val="accent5"/>
+          </a:fillRef>
+          <a:effectRef idx="0">
+            <a:schemeClr val="accent5"/>
+          </a:effectRef>
+          <a:fontRef idx="minor">
+            <a:schemeClr val="lt1"/>
+          </a:fontRef>
+        </p:style>
+        <p:txBody>
+          <a:bodyPr rtlCol="0" anchor="ctr"/>
+          <a:lstStyle/>
+          <a:p>
+            <a:pPr algn="ctr"/>
+            <a:endParaRPr lang="pt-BR" sz="1800" dirty="0">
               <a:solidFill>
                 <a:prstClr val="white"/>
               </a:solidFill>
+              <a:latin typeface="Calibri"/>
             </a:endParaRPr>
-          </a:p>
-        </p:txBody>
-      </p:sp>
-      <p:sp>
-        <p:nvSpPr>
-          <p:cNvPr id="31" name="CaixaDeTexto 30">
-            <a:extLst>
-              <a:ext uri="{FF2B5EF4-FFF2-40B4-BE49-F238E27FC236}">
-                <a16:creationId xmlns:a16="http://schemas.microsoft.com/office/drawing/2014/main" id="{3698E19C-7A7E-4669-95DA-25448CF80FF1}"/>
-              </a:ext>
-            </a:extLst>
-          </p:cNvPr>
-          <p:cNvSpPr txBox="1"/>
-          <p:nvPr/>
-        </p:nvSpPr>
-        <p:spPr>
-          <a:xfrm>
-            <a:off x="6556021" y="1022838"/>
-            <a:ext cx="6115878" cy="646331"/>
-          </a:xfrm>
-          <a:prstGeom prst="rect">
-            <a:avLst/>
-          </a:prstGeom>
-          <a:noFill/>
-        </p:spPr>
-        <p:txBody>
-          <a:bodyPr wrap="square">
-            <a:spAutoFit/>
-          </a:bodyPr>
-          <a:lstStyle/>
-          <a:p>
-            <a:pPr lvl="0" algn="ctr">
-              <a:defRPr/>
-            </a:pPr>
-            <a:r>
-              <a:rPr lang="pt-BR" sz="1800" b="1" dirty="0" err="1">
-                <a:solidFill>
-                  <a:prstClr val="white"/>
-                </a:solidFill>
-              </a:rPr>
-              <a:t>ClientSide</a:t>
-            </a:r>
-            <a:r>
-              <a:rPr lang="pt-BR" sz="1800" b="1" dirty="0">
-                <a:solidFill>
-                  <a:prstClr val="white"/>
-                </a:solidFill>
-              </a:rPr>
-              <a:t> WEB </a:t>
-            </a:r>
-          </a:p>
-          <a:p>
-            <a:pPr lvl="0" algn="ctr">
-              <a:defRPr/>
-            </a:pPr>
-            <a:r>
-              <a:rPr lang="pt-BR" sz="1800" b="1" dirty="0">
-                <a:solidFill>
-                  <a:prstClr val="white"/>
-                </a:solidFill>
-              </a:rPr>
-              <a:t>[Container: JS]</a:t>
-            </a:r>
-          </a:p>
-        </p:txBody>
-      </p:sp>
-      <p:sp>
-        <p:nvSpPr>
-          <p:cNvPr id="33" name="CaixaDeTexto 32">
-            <a:extLst>
-              <a:ext uri="{FF2B5EF4-FFF2-40B4-BE49-F238E27FC236}">
-                <a16:creationId xmlns:a16="http://schemas.microsoft.com/office/drawing/2014/main" id="{AB3B6B0B-476C-414B-A830-2E852268E9B9}"/>
-              </a:ext>
-            </a:extLst>
-          </p:cNvPr>
-          <p:cNvSpPr txBox="1"/>
-          <p:nvPr/>
-        </p:nvSpPr>
-        <p:spPr>
-          <a:xfrm>
-            <a:off x="8969730" y="2018742"/>
-            <a:ext cx="1288461" cy="369332"/>
-          </a:xfrm>
-          <a:prstGeom prst="rect">
-            <a:avLst/>
-          </a:prstGeom>
-          <a:noFill/>
-        </p:spPr>
-        <p:txBody>
-          <a:bodyPr wrap="square">
-            <a:spAutoFit/>
-          </a:bodyPr>
-          <a:lstStyle/>
-          <a:p>
-            <a:pPr algn="ctr"/>
-            <a:r>
-              <a:rPr lang="pt-BR" b="1" dirty="0">
-                <a:solidFill>
-                  <a:prstClr val="white"/>
-                </a:solidFill>
-              </a:rPr>
-              <a:t>Relatórios</a:t>
-            </a:r>
-            <a:endParaRPr lang="pt-BR" dirty="0"/>
-          </a:p>
-        </p:txBody>
-      </p:sp>
-      <p:sp>
-        <p:nvSpPr>
-          <p:cNvPr id="35" name="CaixaDeTexto 34">
-            <a:extLst>
-              <a:ext uri="{FF2B5EF4-FFF2-40B4-BE49-F238E27FC236}">
-                <a16:creationId xmlns:a16="http://schemas.microsoft.com/office/drawing/2014/main" id="{F1A89008-6300-4953-BF19-FEA3A70C2568}"/>
-              </a:ext>
-            </a:extLst>
-          </p:cNvPr>
-          <p:cNvSpPr txBox="1"/>
-          <p:nvPr/>
-        </p:nvSpPr>
-        <p:spPr>
-          <a:xfrm>
-            <a:off x="7604450" y="4218646"/>
-            <a:ext cx="3955703" cy="646331"/>
-          </a:xfrm>
-          <a:prstGeom prst="rect">
-            <a:avLst/>
-          </a:prstGeom>
-          <a:noFill/>
-        </p:spPr>
-        <p:txBody>
-          <a:bodyPr wrap="square">
-            <a:spAutoFit/>
-          </a:bodyPr>
-          <a:lstStyle/>
-          <a:p>
-            <a:pPr lvl="0" algn="ctr">
-              <a:defRPr/>
-            </a:pPr>
-            <a:r>
-              <a:rPr lang="pt-BR" sz="1800" b="1" dirty="0">
-                <a:solidFill>
-                  <a:prstClr val="white"/>
-                </a:solidFill>
-              </a:rPr>
-              <a:t>Server </a:t>
-            </a:r>
-            <a:r>
-              <a:rPr lang="pt-BR" sz="1800" b="1" dirty="0" err="1">
-                <a:solidFill>
-                  <a:prstClr val="white"/>
-                </a:solidFill>
-              </a:rPr>
-              <a:t>Side</a:t>
-            </a:r>
-            <a:r>
-              <a:rPr lang="pt-BR" sz="1800" b="1" dirty="0">
-                <a:solidFill>
-                  <a:prstClr val="white"/>
-                </a:solidFill>
-              </a:rPr>
-              <a:t> Web App </a:t>
-            </a:r>
-          </a:p>
-          <a:p>
-            <a:pPr lvl="0" algn="ctr">
-              <a:defRPr/>
-            </a:pPr>
-            <a:r>
-              <a:rPr lang="pt-BR" sz="1800" b="1" dirty="0">
-                <a:solidFill>
-                  <a:prstClr val="white"/>
-                </a:solidFill>
-              </a:rPr>
-              <a:t>[</a:t>
-            </a:r>
-            <a:r>
-              <a:rPr lang="pt-BR" sz="1800" b="1" dirty="0" err="1">
-                <a:solidFill>
-                  <a:prstClr val="white"/>
-                </a:solidFill>
-              </a:rPr>
-              <a:t>Container:JS</a:t>
-            </a:r>
-            <a:r>
-              <a:rPr lang="pt-BR" sz="1800" b="1" dirty="0">
-                <a:solidFill>
-                  <a:prstClr val="white"/>
-                </a:solidFill>
-              </a:rPr>
-              <a:t>]</a:t>
-            </a:r>
-          </a:p>
-        </p:txBody>
-      </p:sp>
-      <p:sp>
-        <p:nvSpPr>
-          <p:cNvPr id="39" name="CaixaDeTexto 38">
-            <a:extLst>
-              <a:ext uri="{FF2B5EF4-FFF2-40B4-BE49-F238E27FC236}">
-                <a16:creationId xmlns:a16="http://schemas.microsoft.com/office/drawing/2014/main" id="{7C4DA255-D150-4BBE-8059-16B707976367}"/>
-              </a:ext>
-            </a:extLst>
-          </p:cNvPr>
-          <p:cNvSpPr txBox="1"/>
-          <p:nvPr/>
-        </p:nvSpPr>
-        <p:spPr>
-          <a:xfrm>
-            <a:off x="3906609" y="1787825"/>
-            <a:ext cx="3433053" cy="923330"/>
-          </a:xfrm>
-          <a:prstGeom prst="rect">
-            <a:avLst/>
-          </a:prstGeom>
-          <a:noFill/>
-        </p:spPr>
-        <p:txBody>
-          <a:bodyPr wrap="square">
-            <a:spAutoFit/>
-          </a:bodyPr>
-          <a:lstStyle/>
-          <a:p>
-            <a:pPr algn="ctr"/>
-            <a:r>
-              <a:rPr lang="pt-BR" sz="1800" b="1" dirty="0" err="1">
-                <a:solidFill>
-                  <a:schemeClr val="bg1"/>
-                </a:solidFill>
-              </a:rPr>
-              <a:t>Database</a:t>
-            </a:r>
-            <a:r>
-              <a:rPr lang="pt-BR" sz="1800" b="1" dirty="0">
-                <a:solidFill>
-                  <a:schemeClr val="bg1"/>
-                </a:solidFill>
-              </a:rPr>
-              <a:t>-</a:t>
-            </a:r>
-          </a:p>
-          <a:p>
-            <a:pPr algn="ctr"/>
-            <a:r>
-              <a:rPr lang="pt-BR" sz="1800" b="1" dirty="0">
-                <a:solidFill>
-                  <a:schemeClr val="bg1"/>
-                </a:solidFill>
-              </a:rPr>
-              <a:t>[Container: SQL Server – Azure]</a:t>
-            </a:r>
-          </a:p>
-          <a:p>
-            <a:pPr algn="ctr"/>
-            <a:r>
-              <a:rPr lang="pt-BR" sz="1800" b="1" dirty="0">
-                <a:solidFill>
-                  <a:schemeClr val="bg1"/>
-                </a:solidFill>
-              </a:rPr>
-              <a:t>Base de dados do nosso sistema</a:t>
-            </a:r>
-          </a:p>
-        </p:txBody>
-      </p:sp>
-      <p:sp>
-        <p:nvSpPr>
-          <p:cNvPr id="42" name="CaixaDeTexto 41">
-            <a:extLst>
-              <a:ext uri="{FF2B5EF4-FFF2-40B4-BE49-F238E27FC236}">
-                <a16:creationId xmlns:a16="http://schemas.microsoft.com/office/drawing/2014/main" id="{F4283117-DB81-491B-A282-05C75A5EAA1D}"/>
-              </a:ext>
-            </a:extLst>
-          </p:cNvPr>
-          <p:cNvSpPr txBox="1"/>
-          <p:nvPr/>
-        </p:nvSpPr>
-        <p:spPr>
-          <a:xfrm>
-            <a:off x="-1845677" y="4617853"/>
-            <a:ext cx="7209182" cy="923330"/>
-          </a:xfrm>
-          <a:prstGeom prst="rect">
-            <a:avLst/>
-          </a:prstGeom>
-          <a:noFill/>
-        </p:spPr>
-        <p:txBody>
-          <a:bodyPr wrap="square">
-            <a:spAutoFit/>
-          </a:bodyPr>
-          <a:lstStyle/>
-          <a:p>
-            <a:pPr algn="ctr"/>
-            <a:r>
-              <a:rPr lang="pt-BR" b="1" dirty="0" err="1">
-                <a:solidFill>
-                  <a:schemeClr val="bg1"/>
-                </a:solidFill>
-              </a:rPr>
-              <a:t>ClientSide</a:t>
-            </a:r>
-            <a:r>
-              <a:rPr lang="pt-BR" b="1" dirty="0">
-                <a:solidFill>
-                  <a:schemeClr val="bg1"/>
-                </a:solidFill>
-              </a:rPr>
-              <a:t> Web</a:t>
-            </a:r>
-          </a:p>
-          <a:p>
-            <a:pPr algn="ctr"/>
-            <a:r>
-              <a:rPr lang="pt-BR" b="1" dirty="0">
-                <a:solidFill>
-                  <a:schemeClr val="bg1"/>
-                </a:solidFill>
-              </a:rPr>
-              <a:t>[Container: JS + </a:t>
-            </a:r>
-            <a:r>
-              <a:rPr lang="pt-BR" b="1" dirty="0" err="1">
-                <a:solidFill>
-                  <a:schemeClr val="bg1"/>
-                </a:solidFill>
-              </a:rPr>
-              <a:t>React</a:t>
-            </a:r>
-            <a:r>
-              <a:rPr lang="pt-BR" b="1" dirty="0">
-                <a:solidFill>
-                  <a:schemeClr val="bg1"/>
-                </a:solidFill>
-              </a:rPr>
-              <a:t>]</a:t>
-            </a:r>
-          </a:p>
-          <a:p>
-            <a:pPr algn="ctr"/>
-            <a:r>
-              <a:rPr lang="pt-BR" b="1" dirty="0">
-                <a:solidFill>
-                  <a:schemeClr val="bg1"/>
-                </a:solidFill>
-              </a:rPr>
-              <a:t>Site Institucional</a:t>
-            </a:r>
-          </a:p>
-        </p:txBody>
-      </p:sp>
-      <p:cxnSp>
-        <p:nvCxnSpPr>
-          <p:cNvPr id="44" name="Conector de Seta Reta 43">
-            <a:extLst>
-              <a:ext uri="{FF2B5EF4-FFF2-40B4-BE49-F238E27FC236}">
-                <a16:creationId xmlns:a16="http://schemas.microsoft.com/office/drawing/2014/main" id="{7EA32571-72D4-4A7D-ACC0-65957B05768C}"/>
-              </a:ext>
-            </a:extLst>
-          </p:cNvPr>
-          <p:cNvCxnSpPr>
-            <a:cxnSpLocks/>
-            <a:stCxn id="13" idx="0"/>
-          </p:cNvCxnSpPr>
-          <p:nvPr/>
-        </p:nvCxnSpPr>
-        <p:spPr>
-          <a:xfrm flipV="1">
-            <a:off x="5490776" y="3166431"/>
-            <a:ext cx="10009" cy="935826"/>
-          </a:xfrm>
-          <a:prstGeom prst="straightConnector1">
-            <a:avLst/>
-          </a:prstGeom>
-          <a:ln>
-            <a:tailEnd type="triangle"/>
-          </a:ln>
-        </p:spPr>
-        <p:style>
-          <a:lnRef idx="1">
-            <a:schemeClr val="accent1"/>
-          </a:lnRef>
-          <a:fillRef idx="0">
-            <a:schemeClr val="accent1"/>
-          </a:fillRef>
-          <a:effectRef idx="0">
-            <a:schemeClr val="accent1"/>
-          </a:effectRef>
-          <a:fontRef idx="minor">
-            <a:schemeClr val="tx1"/>
-          </a:fontRef>
-        </p:style>
-      </p:cxnSp>
-      <p:cxnSp>
-        <p:nvCxnSpPr>
-          <p:cNvPr id="47" name="Conector de Seta Reta 46">
-            <a:extLst>
-              <a:ext uri="{FF2B5EF4-FFF2-40B4-BE49-F238E27FC236}">
-                <a16:creationId xmlns:a16="http://schemas.microsoft.com/office/drawing/2014/main" id="{D391F2D8-9094-46D9-9046-BFF16E915F1E}"/>
-              </a:ext>
-            </a:extLst>
-          </p:cNvPr>
-          <p:cNvCxnSpPr>
-            <a:cxnSpLocks/>
-          </p:cNvCxnSpPr>
-          <p:nvPr/>
-        </p:nvCxnSpPr>
-        <p:spPr>
-          <a:xfrm>
-            <a:off x="3168133" y="5100158"/>
-            <a:ext cx="900569" cy="0"/>
-          </a:xfrm>
-          <a:prstGeom prst="straightConnector1">
-            <a:avLst/>
-          </a:prstGeom>
-          <a:ln>
-            <a:tailEnd type="triangle"/>
-          </a:ln>
-        </p:spPr>
-        <p:style>
-          <a:lnRef idx="1">
-            <a:schemeClr val="accent1"/>
-          </a:lnRef>
-          <a:fillRef idx="0">
-            <a:schemeClr val="accent1"/>
-          </a:fillRef>
-          <a:effectRef idx="0">
-            <a:schemeClr val="accent1"/>
-          </a:effectRef>
-          <a:fontRef idx="minor">
-            <a:schemeClr val="tx1"/>
-          </a:fontRef>
-        </p:style>
-      </p:cxnSp>
-      <p:cxnSp>
-        <p:nvCxnSpPr>
-          <p:cNvPr id="55" name="Conector de Seta Reta 54">
-            <a:extLst>
-              <a:ext uri="{FF2B5EF4-FFF2-40B4-BE49-F238E27FC236}">
-                <a16:creationId xmlns:a16="http://schemas.microsoft.com/office/drawing/2014/main" id="{DAE10DD1-8D2C-45DF-B83B-56C68CEA7A07}"/>
-              </a:ext>
-            </a:extLst>
-          </p:cNvPr>
-          <p:cNvCxnSpPr>
-            <a:cxnSpLocks/>
-          </p:cNvCxnSpPr>
-          <p:nvPr/>
-        </p:nvCxnSpPr>
-        <p:spPr>
-          <a:xfrm flipH="1" flipV="1">
-            <a:off x="7156174" y="2928730"/>
-            <a:ext cx="1251154" cy="1235990"/>
-          </a:xfrm>
-          <a:prstGeom prst="straightConnector1">
-            <a:avLst/>
-          </a:prstGeom>
-          <a:ln>
-            <a:tailEnd type="triangle"/>
-          </a:ln>
-        </p:spPr>
-        <p:style>
-          <a:lnRef idx="1">
-            <a:schemeClr val="accent1"/>
-          </a:lnRef>
-          <a:fillRef idx="0">
-            <a:schemeClr val="accent1"/>
-          </a:fillRef>
-          <a:effectRef idx="0">
-            <a:schemeClr val="accent1"/>
-          </a:effectRef>
-          <a:fontRef idx="minor">
-            <a:schemeClr val="tx1"/>
-          </a:fontRef>
-        </p:style>
-      </p:cxnSp>
-      <p:cxnSp>
-        <p:nvCxnSpPr>
-          <p:cNvPr id="58" name="Conector de Seta Reta 57">
-            <a:extLst>
-              <a:ext uri="{FF2B5EF4-FFF2-40B4-BE49-F238E27FC236}">
-                <a16:creationId xmlns:a16="http://schemas.microsoft.com/office/drawing/2014/main" id="{A7D7CCAD-2CD7-4A1F-AFAA-AD7722C96057}"/>
-              </a:ext>
-            </a:extLst>
-          </p:cNvPr>
-          <p:cNvCxnSpPr>
-            <a:cxnSpLocks/>
-            <a:stCxn id="22" idx="1"/>
-            <a:endCxn id="13" idx="3"/>
-          </p:cNvCxnSpPr>
-          <p:nvPr/>
-        </p:nvCxnSpPr>
-        <p:spPr>
-          <a:xfrm flipH="1">
-            <a:off x="6912849" y="5255238"/>
-            <a:ext cx="1494479" cy="63085"/>
-          </a:xfrm>
-          <a:prstGeom prst="straightConnector1">
-            <a:avLst/>
-          </a:prstGeom>
-          <a:ln>
-            <a:tailEnd type="triangle"/>
-          </a:ln>
-        </p:spPr>
-        <p:style>
-          <a:lnRef idx="1">
-            <a:schemeClr val="accent1"/>
-          </a:lnRef>
-          <a:fillRef idx="0">
-            <a:schemeClr val="accent1"/>
-          </a:fillRef>
-          <a:effectRef idx="0">
-            <a:schemeClr val="accent1"/>
-          </a:effectRef>
-          <a:fontRef idx="minor">
-            <a:schemeClr val="tx1"/>
-          </a:fontRef>
-        </p:style>
-      </p:cxnSp>
-      <p:cxnSp>
-        <p:nvCxnSpPr>
-          <p:cNvPr id="69" name="Conector de Seta Reta 68">
-            <a:extLst>
-              <a:ext uri="{FF2B5EF4-FFF2-40B4-BE49-F238E27FC236}">
-                <a16:creationId xmlns:a16="http://schemas.microsoft.com/office/drawing/2014/main" id="{9F4213DE-C61C-484B-8939-195120732759}"/>
-              </a:ext>
-            </a:extLst>
-          </p:cNvPr>
-          <p:cNvCxnSpPr>
-            <a:cxnSpLocks/>
-            <a:stCxn id="18" idx="2"/>
-            <a:endCxn id="22" idx="0"/>
-          </p:cNvCxnSpPr>
-          <p:nvPr/>
-        </p:nvCxnSpPr>
-        <p:spPr>
-          <a:xfrm flipH="1">
-            <a:off x="9595460" y="3152685"/>
-            <a:ext cx="18502" cy="968610"/>
-          </a:xfrm>
-          <a:prstGeom prst="straightConnector1">
-            <a:avLst/>
-          </a:prstGeom>
-          <a:ln>
-            <a:tailEnd type="triangle"/>
-          </a:ln>
-        </p:spPr>
-        <p:style>
-          <a:lnRef idx="1">
-            <a:schemeClr val="accent1"/>
-          </a:lnRef>
-          <a:fillRef idx="0">
-            <a:schemeClr val="accent1"/>
-          </a:fillRef>
-          <a:effectRef idx="0">
-            <a:schemeClr val="accent1"/>
-          </a:effectRef>
-          <a:fontRef idx="minor">
-            <a:schemeClr val="tx1"/>
-          </a:fontRef>
-        </p:style>
-      </p:cxnSp>
-      <p:sp>
-        <p:nvSpPr>
-          <p:cNvPr id="72" name="CaixaDeTexto 71">
-            <a:extLst>
-              <a:ext uri="{FF2B5EF4-FFF2-40B4-BE49-F238E27FC236}">
-                <a16:creationId xmlns:a16="http://schemas.microsoft.com/office/drawing/2014/main" id="{A520E92E-4BDC-4CC5-BD9B-3470F4236BF6}"/>
-              </a:ext>
-            </a:extLst>
-          </p:cNvPr>
-          <p:cNvSpPr txBox="1"/>
-          <p:nvPr/>
-        </p:nvSpPr>
-        <p:spPr>
-          <a:xfrm>
-            <a:off x="132522" y="318052"/>
-            <a:ext cx="5963478" cy="646331"/>
-          </a:xfrm>
-          <a:prstGeom prst="rect">
-            <a:avLst/>
-          </a:prstGeom>
-          <a:noFill/>
-        </p:spPr>
-        <p:txBody>
-          <a:bodyPr wrap="square" rtlCol="0">
-            <a:spAutoFit/>
-          </a:bodyPr>
-          <a:lstStyle/>
-          <a:p>
-            <a:r>
-              <a:rPr lang="pt-BR" dirty="0"/>
-              <a:t>Visão macro do Software Alpha</a:t>
-            </a:r>
-          </a:p>
-          <a:p>
-            <a:endParaRPr lang="pt-BR" dirty="0"/>
           </a:p>
         </p:txBody>
       </p:sp>
